--- a/Chitrag_Potdar_Netflix Data Analysis Project PPT.pptx
+++ b/Chitrag_Potdar_Netflix Data Analysis Project PPT.pptx
@@ -193,7 +193,7 @@
           <p:cNvPr id="2" name="Header Placeholder 1">
             <a:extLst>
               <a:ext uri="{FF2B5EF4-FFF2-40B4-BE49-F238E27FC236}">
-                <a16:creationId xmlns:a16="http://schemas.microsoft.com/office/drawing/2014/main" xmlns="" id="{B76F666D-E0C2-435B-BAA8-9287F9E5D38A}"/>
+                <a16:creationId xmlns="" xmlns:a16="http://schemas.microsoft.com/office/drawing/2014/main" id="{B76F666D-E0C2-435B-BAA8-9287F9E5D38A}"/>
               </a:ext>
             </a:extLst>
           </p:cNvPr>
@@ -230,7 +230,7 @@
           <p:cNvPr id="3" name="Date Placeholder 2">
             <a:extLst>
               <a:ext uri="{FF2B5EF4-FFF2-40B4-BE49-F238E27FC236}">
-                <a16:creationId xmlns:a16="http://schemas.microsoft.com/office/drawing/2014/main" xmlns="" id="{19FEBCAF-CB3F-4928-91AA-D61472F880C0}"/>
+                <a16:creationId xmlns="" xmlns:a16="http://schemas.microsoft.com/office/drawing/2014/main" id="{19FEBCAF-CB3F-4928-91AA-D61472F880C0}"/>
               </a:ext>
             </a:extLst>
           </p:cNvPr>
@@ -260,7 +260,7 @@
           <a:p>
             <a:fld id="{EF1077DB-935E-4A0A-947A-D283B9F9F452}" type="datetimeFigureOut">
               <a:rPr lang="en-US" smtClean="0"/>
-              <a:t>10/2/2025</a:t>
+              <a:t>10/7/2025</a:t>
             </a:fld>
             <a:endParaRPr lang="en-US" dirty="0"/>
           </a:p>
@@ -271,7 +271,7 @@
           <p:cNvPr id="4" name="Footer Placeholder 3">
             <a:extLst>
               <a:ext uri="{FF2B5EF4-FFF2-40B4-BE49-F238E27FC236}">
-                <a16:creationId xmlns:a16="http://schemas.microsoft.com/office/drawing/2014/main" xmlns="" id="{69256698-63C6-4CCC-81CB-EA5604C30F1E}"/>
+                <a16:creationId xmlns="" xmlns:a16="http://schemas.microsoft.com/office/drawing/2014/main" id="{69256698-63C6-4CCC-81CB-EA5604C30F1E}"/>
               </a:ext>
             </a:extLst>
           </p:cNvPr>
@@ -308,7 +308,7 @@
           <p:cNvPr id="5" name="Slide Number Placeholder 4">
             <a:extLst>
               <a:ext uri="{FF2B5EF4-FFF2-40B4-BE49-F238E27FC236}">
-                <a16:creationId xmlns:a16="http://schemas.microsoft.com/office/drawing/2014/main" xmlns="" id="{B2467FDA-05D7-4760-A373-5D6AEAAF4278}"/>
+                <a16:creationId xmlns="" xmlns:a16="http://schemas.microsoft.com/office/drawing/2014/main" id="{B2467FDA-05D7-4760-A373-5D6AEAAF4278}"/>
               </a:ext>
             </a:extLst>
           </p:cNvPr>
@@ -437,7 +437,7 @@
           <a:p>
             <a:fld id="{2D9EC30E-1A71-4188-9BE7-E2A64929A436}" type="datetimeFigureOut">
               <a:rPr lang="en-US" noProof="0" smtClean="0"/>
-              <a:t>10/2/2025</a:t>
+              <a:t>10/7/2025</a:t>
             </a:fld>
             <a:endParaRPr lang="en-US" noProof="0" dirty="0"/>
           </a:p>
@@ -1534,7 +1534,7 @@
             <a:fld id="{B61BEF0D-F0BB-DE4B-95CE-6DB70DBA9567}" type="datetimeFigureOut">
               <a:rPr lang="en-US" smtClean="0"/>
               <a:pPr/>
-              <a:t>10/2/2025</a:t>
+              <a:t>10/7/2025</a:t>
             </a:fld>
             <a:endParaRPr lang="en-US" dirty="0"/>
           </a:p>
@@ -1788,7 +1788,7 @@
             <a:fld id="{B61BEF0D-F0BB-DE4B-95CE-6DB70DBA9567}" type="datetimeFigureOut">
               <a:rPr lang="en-US" smtClean="0"/>
               <a:pPr/>
-              <a:t>10/2/2025</a:t>
+              <a:t>10/7/2025</a:t>
             </a:fld>
             <a:endParaRPr lang="en-US" dirty="0"/>
           </a:p>
@@ -2105,7 +2105,7 @@
             <a:fld id="{B61BEF0D-F0BB-DE4B-95CE-6DB70DBA9567}" type="datetimeFigureOut">
               <a:rPr lang="en-US" smtClean="0"/>
               <a:pPr/>
-              <a:t>10/2/2025</a:t>
+              <a:t>10/7/2025</a:t>
             </a:fld>
             <a:endParaRPr lang="en-US" dirty="0"/>
           </a:p>
@@ -2441,7 +2441,7 @@
             <a:fld id="{B61BEF0D-F0BB-DE4B-95CE-6DB70DBA9567}" type="datetimeFigureOut">
               <a:rPr lang="en-US" smtClean="0"/>
               <a:pPr/>
-              <a:t>10/2/2025</a:t>
+              <a:t>10/7/2025</a:t>
             </a:fld>
             <a:endParaRPr lang="en-US" dirty="0"/>
           </a:p>
@@ -2758,7 +2758,7 @@
             <a:fld id="{B61BEF0D-F0BB-DE4B-95CE-6DB70DBA9567}" type="datetimeFigureOut">
               <a:rPr lang="en-US" smtClean="0"/>
               <a:pPr/>
-              <a:t>10/2/2025</a:t>
+              <a:t>10/7/2025</a:t>
             </a:fld>
             <a:endParaRPr lang="en-US" dirty="0"/>
           </a:p>
@@ -3154,7 +3154,7 @@
             <a:fld id="{B61BEF0D-F0BB-DE4B-95CE-6DB70DBA9567}" type="datetimeFigureOut">
               <a:rPr lang="en-US" smtClean="0"/>
               <a:pPr/>
-              <a:t>10/2/2025</a:t>
+              <a:t>10/7/2025</a:t>
             </a:fld>
             <a:endParaRPr lang="en-US" dirty="0"/>
           </a:p>
@@ -3326,7 +3326,7 @@
           <a:p>
             <a:fld id="{55C6B4A9-1611-4792-9094-5F34BCA07E0B}" type="datetimeFigureOut">
               <a:rPr lang="en-US" smtClean="0"/>
-              <a:t>10/2/2025</a:t>
+              <a:t>10/7/2025</a:t>
             </a:fld>
             <a:endParaRPr lang="en-US" dirty="0"/>
           </a:p>
@@ -3508,7 +3508,7 @@
             <a:fld id="{B61BEF0D-F0BB-DE4B-95CE-6DB70DBA9567}" type="datetimeFigureOut">
               <a:rPr lang="en-US" smtClean="0"/>
               <a:pPr/>
-              <a:t>10/2/2025</a:t>
+              <a:t>10/7/2025</a:t>
             </a:fld>
             <a:endParaRPr lang="en-US" dirty="0"/>
           </a:p>
@@ -3593,7 +3593,7 @@
           <p:cNvPr id="11" name="Text Placeholder 10">
             <a:extLst>
               <a:ext uri="{FF2B5EF4-FFF2-40B4-BE49-F238E27FC236}">
-                <a16:creationId xmlns:a16="http://schemas.microsoft.com/office/drawing/2014/main" xmlns="" id="{6FDA3C6F-5F6A-4D64-8BFE-AFFF58B1A047}"/>
+                <a16:creationId xmlns="" xmlns:a16="http://schemas.microsoft.com/office/drawing/2014/main" id="{6FDA3C6F-5F6A-4D64-8BFE-AFFF58B1A047}"/>
               </a:ext>
             </a:extLst>
           </p:cNvPr>
@@ -3651,7 +3651,7 @@
           <p:cNvPr id="15" name="Hexagon 14">
             <a:extLst>
               <a:ext uri="{FF2B5EF4-FFF2-40B4-BE49-F238E27FC236}">
-                <a16:creationId xmlns:a16="http://schemas.microsoft.com/office/drawing/2014/main" xmlns="" id="{AC159667-7690-4645-986D-BE501438455F}"/>
+                <a16:creationId xmlns="" xmlns:a16="http://schemas.microsoft.com/office/drawing/2014/main" id="{AC159667-7690-4645-986D-BE501438455F}"/>
               </a:ext>
             </a:extLst>
           </p:cNvPr>
@@ -3703,7 +3703,7 @@
           <p:cNvPr id="16" name="Hexagon 15">
             <a:extLst>
               <a:ext uri="{FF2B5EF4-FFF2-40B4-BE49-F238E27FC236}">
-                <a16:creationId xmlns:a16="http://schemas.microsoft.com/office/drawing/2014/main" xmlns="" id="{54667EE4-E77F-453B-BF8B-B1EE2AE80715}"/>
+                <a16:creationId xmlns="" xmlns:a16="http://schemas.microsoft.com/office/drawing/2014/main" id="{54667EE4-E77F-453B-BF8B-B1EE2AE80715}"/>
               </a:ext>
             </a:extLst>
           </p:cNvPr>
@@ -3755,7 +3755,7 @@
           <p:cNvPr id="17" name="Hexagon 16">
             <a:extLst>
               <a:ext uri="{FF2B5EF4-FFF2-40B4-BE49-F238E27FC236}">
-                <a16:creationId xmlns:a16="http://schemas.microsoft.com/office/drawing/2014/main" xmlns="" id="{FC050232-A229-425F-BFC8-D50374F2D171}"/>
+                <a16:creationId xmlns="" xmlns:a16="http://schemas.microsoft.com/office/drawing/2014/main" id="{FC050232-A229-425F-BFC8-D50374F2D171}"/>
               </a:ext>
             </a:extLst>
           </p:cNvPr>
@@ -3807,7 +3807,7 @@
           <p:cNvPr id="18" name="Hexagon 17">
             <a:extLst>
               <a:ext uri="{FF2B5EF4-FFF2-40B4-BE49-F238E27FC236}">
-                <a16:creationId xmlns:a16="http://schemas.microsoft.com/office/drawing/2014/main" xmlns="" id="{53E4EBC7-340A-43A5-9E23-4B73A6F700B6}"/>
+                <a16:creationId xmlns="" xmlns:a16="http://schemas.microsoft.com/office/drawing/2014/main" id="{53E4EBC7-340A-43A5-9E23-4B73A6F700B6}"/>
               </a:ext>
             </a:extLst>
           </p:cNvPr>
@@ -3859,7 +3859,7 @@
           <p:cNvPr id="19" name="Picture Placeholder 18">
             <a:extLst>
               <a:ext uri="{FF2B5EF4-FFF2-40B4-BE49-F238E27FC236}">
-                <a16:creationId xmlns:a16="http://schemas.microsoft.com/office/drawing/2014/main" xmlns="" id="{1ED0E31A-F0A3-481D-8D9C-E3C4531FD21D}"/>
+                <a16:creationId xmlns="" xmlns:a16="http://schemas.microsoft.com/office/drawing/2014/main" id="{1ED0E31A-F0A3-481D-8D9C-E3C4531FD21D}"/>
               </a:ext>
             </a:extLst>
           </p:cNvPr>
@@ -4060,7 +4060,7 @@
           <p:cNvPr id="2" name="Title 1">
             <a:extLst>
               <a:ext uri="{FF2B5EF4-FFF2-40B4-BE49-F238E27FC236}">
-                <a16:creationId xmlns:a16="http://schemas.microsoft.com/office/drawing/2014/main" xmlns="" id="{03E68100-C56F-4515-A4FD-3F301797E78F}"/>
+                <a16:creationId xmlns="" xmlns:a16="http://schemas.microsoft.com/office/drawing/2014/main" id="{03E68100-C56F-4515-A4FD-3F301797E78F}"/>
               </a:ext>
             </a:extLst>
           </p:cNvPr>
@@ -4146,7 +4146,7 @@
           <p:cNvPr id="10" name="Oval 9">
             <a:extLst>
               <a:ext uri="{FF2B5EF4-FFF2-40B4-BE49-F238E27FC236}">
-                <a16:creationId xmlns:a16="http://schemas.microsoft.com/office/drawing/2014/main" xmlns="" id="{24FAA9D0-7C9C-4043-9931-A15819ABB9B5}"/>
+                <a16:creationId xmlns="" xmlns:a16="http://schemas.microsoft.com/office/drawing/2014/main" id="{24FAA9D0-7C9C-4043-9931-A15819ABB9B5}"/>
               </a:ext>
             </a:extLst>
           </p:cNvPr>
@@ -4202,7 +4202,7 @@
           <p:cNvPr id="14" name="Oval 13">
             <a:extLst>
               <a:ext uri="{FF2B5EF4-FFF2-40B4-BE49-F238E27FC236}">
-                <a16:creationId xmlns:a16="http://schemas.microsoft.com/office/drawing/2014/main" xmlns="" id="{E232AB2D-843E-4B5F-8793-6A263DA356BB}"/>
+                <a16:creationId xmlns="" xmlns:a16="http://schemas.microsoft.com/office/drawing/2014/main" id="{E232AB2D-843E-4B5F-8793-6A263DA356BB}"/>
               </a:ext>
             </a:extLst>
           </p:cNvPr>
@@ -4258,7 +4258,7 @@
           <p:cNvPr id="16" name="Oval 15">
             <a:extLst>
               <a:ext uri="{FF2B5EF4-FFF2-40B4-BE49-F238E27FC236}">
-                <a16:creationId xmlns:a16="http://schemas.microsoft.com/office/drawing/2014/main" xmlns="" id="{FA75A12B-C399-4072-BD69-D872D2C2AD1F}"/>
+                <a16:creationId xmlns="" xmlns:a16="http://schemas.microsoft.com/office/drawing/2014/main" id="{FA75A12B-C399-4072-BD69-D872D2C2AD1F}"/>
               </a:ext>
             </a:extLst>
           </p:cNvPr>
@@ -4314,7 +4314,7 @@
           <p:cNvPr id="23" name="Picture Placeholder 22">
             <a:extLst>
               <a:ext uri="{FF2B5EF4-FFF2-40B4-BE49-F238E27FC236}">
-                <a16:creationId xmlns:a16="http://schemas.microsoft.com/office/drawing/2014/main" xmlns="" id="{423AE48B-50E9-4BEA-B66A-B2D2B9CCFE9C}"/>
+                <a16:creationId xmlns="" xmlns:a16="http://schemas.microsoft.com/office/drawing/2014/main" id="{423AE48B-50E9-4BEA-B66A-B2D2B9CCFE9C}"/>
               </a:ext>
             </a:extLst>
           </p:cNvPr>
@@ -4466,7 +4466,7 @@
           <p:cNvPr id="27" name="Text Placeholder 26">
             <a:extLst>
               <a:ext uri="{FF2B5EF4-FFF2-40B4-BE49-F238E27FC236}">
-                <a16:creationId xmlns:a16="http://schemas.microsoft.com/office/drawing/2014/main" xmlns="" id="{282D3E62-6D1A-4E9D-BE54-2EED9BF429A4}"/>
+                <a16:creationId xmlns="" xmlns:a16="http://schemas.microsoft.com/office/drawing/2014/main" id="{282D3E62-6D1A-4E9D-BE54-2EED9BF429A4}"/>
               </a:ext>
             </a:extLst>
           </p:cNvPr>
@@ -4547,7 +4547,7 @@
           <p:cNvPr id="8" name="Title 1">
             <a:extLst>
               <a:ext uri="{FF2B5EF4-FFF2-40B4-BE49-F238E27FC236}">
-                <a16:creationId xmlns:a16="http://schemas.microsoft.com/office/drawing/2014/main" xmlns="" id="{DEB8F0E5-B89F-48AD-87BD-534EA9463CD3}"/>
+                <a16:creationId xmlns="" xmlns:a16="http://schemas.microsoft.com/office/drawing/2014/main" id="{DEB8F0E5-B89F-48AD-87BD-534EA9463CD3}"/>
               </a:ext>
             </a:extLst>
           </p:cNvPr>
@@ -4633,7 +4633,7 @@
           <p:cNvPr id="10" name="Text Placeholder 26">
             <a:extLst>
               <a:ext uri="{FF2B5EF4-FFF2-40B4-BE49-F238E27FC236}">
-                <a16:creationId xmlns:a16="http://schemas.microsoft.com/office/drawing/2014/main" xmlns="" id="{4AA38E8C-A334-4183-8ABC-112B8517F487}"/>
+                <a16:creationId xmlns="" xmlns:a16="http://schemas.microsoft.com/office/drawing/2014/main" id="{4AA38E8C-A334-4183-8ABC-112B8517F487}"/>
               </a:ext>
             </a:extLst>
           </p:cNvPr>
@@ -4711,7 +4711,7 @@
           <p:cNvPr id="19" name="Rectangle 18">
             <a:extLst>
               <a:ext uri="{FF2B5EF4-FFF2-40B4-BE49-F238E27FC236}">
-                <a16:creationId xmlns:a16="http://schemas.microsoft.com/office/drawing/2014/main" xmlns="" id="{B80624A4-5116-4AAF-8C31-C25D1DB16FEC}"/>
+                <a16:creationId xmlns="" xmlns:a16="http://schemas.microsoft.com/office/drawing/2014/main" id="{B80624A4-5116-4AAF-8C31-C25D1DB16FEC}"/>
               </a:ext>
             </a:extLst>
           </p:cNvPr>
@@ -4763,7 +4763,7 @@
           <p:cNvPr id="21" name="Rectangle 20">
             <a:extLst>
               <a:ext uri="{FF2B5EF4-FFF2-40B4-BE49-F238E27FC236}">
-                <a16:creationId xmlns:a16="http://schemas.microsoft.com/office/drawing/2014/main" xmlns="" id="{1D07EC8A-6024-4DEA-9C4D-AE4228E17854}"/>
+                <a16:creationId xmlns="" xmlns:a16="http://schemas.microsoft.com/office/drawing/2014/main" id="{1D07EC8A-6024-4DEA-9C4D-AE4228E17854}"/>
               </a:ext>
             </a:extLst>
           </p:cNvPr>
@@ -4815,7 +4815,7 @@
           <p:cNvPr id="23" name="Rectangle 22">
             <a:extLst>
               <a:ext uri="{FF2B5EF4-FFF2-40B4-BE49-F238E27FC236}">
-                <a16:creationId xmlns:a16="http://schemas.microsoft.com/office/drawing/2014/main" xmlns="" id="{D1C8FAEF-DF78-48CC-AEEF-F9B802055C05}"/>
+                <a16:creationId xmlns="" xmlns:a16="http://schemas.microsoft.com/office/drawing/2014/main" id="{D1C8FAEF-DF78-48CC-AEEF-F9B802055C05}"/>
               </a:ext>
             </a:extLst>
           </p:cNvPr>
@@ -4867,7 +4867,7 @@
           <p:cNvPr id="11" name="Picture Placeholder 10">
             <a:extLst>
               <a:ext uri="{FF2B5EF4-FFF2-40B4-BE49-F238E27FC236}">
-                <a16:creationId xmlns:a16="http://schemas.microsoft.com/office/drawing/2014/main" xmlns="" id="{566F72D6-AEEE-4CF3-8136-F6782F1E489E}"/>
+                <a16:creationId xmlns="" xmlns:a16="http://schemas.microsoft.com/office/drawing/2014/main" id="{566F72D6-AEEE-4CF3-8136-F6782F1E489E}"/>
               </a:ext>
             </a:extLst>
           </p:cNvPr>
@@ -5053,7 +5053,7 @@
           <p:cNvPr id="2" name="Title 1">
             <a:extLst>
               <a:ext uri="{FF2B5EF4-FFF2-40B4-BE49-F238E27FC236}">
-                <a16:creationId xmlns:a16="http://schemas.microsoft.com/office/drawing/2014/main" xmlns="" id="{459DADC7-BE21-4434-A6E4-BAF809005389}"/>
+                <a16:creationId xmlns="" xmlns:a16="http://schemas.microsoft.com/office/drawing/2014/main" id="{459DADC7-BE21-4434-A6E4-BAF809005389}"/>
               </a:ext>
             </a:extLst>
           </p:cNvPr>
@@ -5237,7 +5237,7 @@
             <a:fld id="{B61BEF0D-F0BB-DE4B-95CE-6DB70DBA9567}" type="datetimeFigureOut">
               <a:rPr lang="en-US" smtClean="0"/>
               <a:pPr/>
-              <a:t>10/2/2025</a:t>
+              <a:t>10/7/2025</a:t>
             </a:fld>
             <a:endParaRPr lang="en-US" dirty="0"/>
           </a:p>
@@ -5322,7 +5322,7 @@
           <p:cNvPr id="39" name="Picture Placeholder 38">
             <a:extLst>
               <a:ext uri="{FF2B5EF4-FFF2-40B4-BE49-F238E27FC236}">
-                <a16:creationId xmlns:a16="http://schemas.microsoft.com/office/drawing/2014/main" xmlns="" id="{CF421413-161E-4B36-B693-FB38DF14EDAB}"/>
+                <a16:creationId xmlns="" xmlns:a16="http://schemas.microsoft.com/office/drawing/2014/main" id="{CF421413-161E-4B36-B693-FB38DF14EDAB}"/>
               </a:ext>
             </a:extLst>
           </p:cNvPr>
@@ -5425,7 +5425,7 @@
           <p:cNvPr id="38" name="Picture Placeholder 37">
             <a:extLst>
               <a:ext uri="{FF2B5EF4-FFF2-40B4-BE49-F238E27FC236}">
-                <a16:creationId xmlns:a16="http://schemas.microsoft.com/office/drawing/2014/main" xmlns="" id="{B5D207AE-9C9C-410A-9F31-2402BAD6DDFF}"/>
+                <a16:creationId xmlns="" xmlns:a16="http://schemas.microsoft.com/office/drawing/2014/main" id="{B5D207AE-9C9C-410A-9F31-2402BAD6DDFF}"/>
               </a:ext>
             </a:extLst>
           </p:cNvPr>
@@ -5528,7 +5528,7 @@
           <p:cNvPr id="40" name="Picture Placeholder 39">
             <a:extLst>
               <a:ext uri="{FF2B5EF4-FFF2-40B4-BE49-F238E27FC236}">
-                <a16:creationId xmlns:a16="http://schemas.microsoft.com/office/drawing/2014/main" xmlns="" id="{DE3344FC-C4DE-481F-9C31-667EDD563C47}"/>
+                <a16:creationId xmlns="" xmlns:a16="http://schemas.microsoft.com/office/drawing/2014/main" id="{DE3344FC-C4DE-481F-9C31-667EDD563C47}"/>
               </a:ext>
             </a:extLst>
           </p:cNvPr>
@@ -5631,7 +5631,7 @@
           <p:cNvPr id="41" name="Picture Placeholder 40">
             <a:extLst>
               <a:ext uri="{FF2B5EF4-FFF2-40B4-BE49-F238E27FC236}">
-                <a16:creationId xmlns:a16="http://schemas.microsoft.com/office/drawing/2014/main" xmlns="" id="{59094D7D-3613-49C1-BB58-A65B41A9738D}"/>
+                <a16:creationId xmlns="" xmlns:a16="http://schemas.microsoft.com/office/drawing/2014/main" id="{59094D7D-3613-49C1-BB58-A65B41A9738D}"/>
               </a:ext>
             </a:extLst>
           </p:cNvPr>
@@ -5734,7 +5734,7 @@
           <p:cNvPr id="8" name="Title 1">
             <a:extLst>
               <a:ext uri="{FF2B5EF4-FFF2-40B4-BE49-F238E27FC236}">
-                <a16:creationId xmlns:a16="http://schemas.microsoft.com/office/drawing/2014/main" xmlns="" id="{69FE87B7-32A4-4C7F-9AAF-37688E640456}"/>
+                <a16:creationId xmlns="" xmlns:a16="http://schemas.microsoft.com/office/drawing/2014/main" id="{69FE87B7-32A4-4C7F-9AAF-37688E640456}"/>
               </a:ext>
             </a:extLst>
           </p:cNvPr>
@@ -5780,7 +5780,7 @@
           <p:cNvPr id="9" name="Hexagon 8">
             <a:extLst>
               <a:ext uri="{FF2B5EF4-FFF2-40B4-BE49-F238E27FC236}">
-                <a16:creationId xmlns:a16="http://schemas.microsoft.com/office/drawing/2014/main" xmlns="" id="{476CA45F-A66A-4AD8-A004-10DB55A5D7B2}"/>
+                <a16:creationId xmlns="" xmlns:a16="http://schemas.microsoft.com/office/drawing/2014/main" id="{476CA45F-A66A-4AD8-A004-10DB55A5D7B2}"/>
               </a:ext>
             </a:extLst>
           </p:cNvPr>
@@ -5832,7 +5832,7 @@
           <p:cNvPr id="10" name="Hexagon 9">
             <a:extLst>
               <a:ext uri="{FF2B5EF4-FFF2-40B4-BE49-F238E27FC236}">
-                <a16:creationId xmlns:a16="http://schemas.microsoft.com/office/drawing/2014/main" xmlns="" id="{27A66A3D-2437-4015-9F5F-380C4D23D83C}"/>
+                <a16:creationId xmlns="" xmlns:a16="http://schemas.microsoft.com/office/drawing/2014/main" id="{27A66A3D-2437-4015-9F5F-380C4D23D83C}"/>
               </a:ext>
             </a:extLst>
           </p:cNvPr>
@@ -5884,7 +5884,7 @@
           <p:cNvPr id="11" name="Hexagon 10">
             <a:extLst>
               <a:ext uri="{FF2B5EF4-FFF2-40B4-BE49-F238E27FC236}">
-                <a16:creationId xmlns:a16="http://schemas.microsoft.com/office/drawing/2014/main" xmlns="" id="{FFB14F3B-E7EF-4546-8D74-71FFB45C77C0}"/>
+                <a16:creationId xmlns="" xmlns:a16="http://schemas.microsoft.com/office/drawing/2014/main" id="{FFB14F3B-E7EF-4546-8D74-71FFB45C77C0}"/>
               </a:ext>
             </a:extLst>
           </p:cNvPr>
@@ -5936,7 +5936,7 @@
           <p:cNvPr id="23" name="Text Placeholder 22">
             <a:extLst>
               <a:ext uri="{FF2B5EF4-FFF2-40B4-BE49-F238E27FC236}">
-                <a16:creationId xmlns:a16="http://schemas.microsoft.com/office/drawing/2014/main" xmlns="" id="{591F943B-ED0D-49A1-844A-E23BA9A4871B}"/>
+                <a16:creationId xmlns="" xmlns:a16="http://schemas.microsoft.com/office/drawing/2014/main" id="{591F943B-ED0D-49A1-844A-E23BA9A4871B}"/>
               </a:ext>
             </a:extLst>
           </p:cNvPr>
@@ -5985,7 +5985,7 @@
           <p:cNvPr id="24" name="Text Placeholder 22">
             <a:extLst>
               <a:ext uri="{FF2B5EF4-FFF2-40B4-BE49-F238E27FC236}">
-                <a16:creationId xmlns:a16="http://schemas.microsoft.com/office/drawing/2014/main" xmlns="" id="{9AC6B9A8-053C-4828-B705-901C6018F30D}"/>
+                <a16:creationId xmlns="" xmlns:a16="http://schemas.microsoft.com/office/drawing/2014/main" id="{9AC6B9A8-053C-4828-B705-901C6018F30D}"/>
               </a:ext>
             </a:extLst>
           </p:cNvPr>
@@ -6034,7 +6034,7 @@
           <p:cNvPr id="27" name="Text Placeholder 22">
             <a:extLst>
               <a:ext uri="{FF2B5EF4-FFF2-40B4-BE49-F238E27FC236}">
-                <a16:creationId xmlns:a16="http://schemas.microsoft.com/office/drawing/2014/main" xmlns="" id="{BBA6FD52-E179-41F8-AE78-9AF3D65F28B6}"/>
+                <a16:creationId xmlns="" xmlns:a16="http://schemas.microsoft.com/office/drawing/2014/main" id="{BBA6FD52-E179-41F8-AE78-9AF3D65F28B6}"/>
               </a:ext>
             </a:extLst>
           </p:cNvPr>
@@ -6083,7 +6083,7 @@
           <p:cNvPr id="28" name="Text Placeholder 22">
             <a:extLst>
               <a:ext uri="{FF2B5EF4-FFF2-40B4-BE49-F238E27FC236}">
-                <a16:creationId xmlns:a16="http://schemas.microsoft.com/office/drawing/2014/main" xmlns="" id="{C49A82AB-D328-4DB0-841B-186884119EBF}"/>
+                <a16:creationId xmlns="" xmlns:a16="http://schemas.microsoft.com/office/drawing/2014/main" id="{C49A82AB-D328-4DB0-841B-186884119EBF}"/>
               </a:ext>
             </a:extLst>
           </p:cNvPr>
@@ -6132,7 +6132,7 @@
           <p:cNvPr id="29" name="Text Placeholder 22">
             <a:extLst>
               <a:ext uri="{FF2B5EF4-FFF2-40B4-BE49-F238E27FC236}">
-                <a16:creationId xmlns:a16="http://schemas.microsoft.com/office/drawing/2014/main" xmlns="" id="{84E23D5D-9866-48F9-8E08-DD2DBE4C4E32}"/>
+                <a16:creationId xmlns="" xmlns:a16="http://schemas.microsoft.com/office/drawing/2014/main" id="{84E23D5D-9866-48F9-8E08-DD2DBE4C4E32}"/>
               </a:ext>
             </a:extLst>
           </p:cNvPr>
@@ -6181,7 +6181,7 @@
           <p:cNvPr id="30" name="Text Placeholder 22">
             <a:extLst>
               <a:ext uri="{FF2B5EF4-FFF2-40B4-BE49-F238E27FC236}">
-                <a16:creationId xmlns:a16="http://schemas.microsoft.com/office/drawing/2014/main" xmlns="" id="{E671C9E6-A1A5-4EE5-8642-94AA7635DB05}"/>
+                <a16:creationId xmlns="" xmlns:a16="http://schemas.microsoft.com/office/drawing/2014/main" id="{E671C9E6-A1A5-4EE5-8642-94AA7635DB05}"/>
               </a:ext>
             </a:extLst>
           </p:cNvPr>
@@ -6230,7 +6230,7 @@
           <p:cNvPr id="31" name="Text Placeholder 22">
             <a:extLst>
               <a:ext uri="{FF2B5EF4-FFF2-40B4-BE49-F238E27FC236}">
-                <a16:creationId xmlns:a16="http://schemas.microsoft.com/office/drawing/2014/main" xmlns="" id="{DF6BB5C9-B678-435A-830F-4C10EB1A957C}"/>
+                <a16:creationId xmlns="" xmlns:a16="http://schemas.microsoft.com/office/drawing/2014/main" id="{DF6BB5C9-B678-435A-830F-4C10EB1A957C}"/>
               </a:ext>
             </a:extLst>
           </p:cNvPr>
@@ -6279,7 +6279,7 @@
           <p:cNvPr id="32" name="Text Placeholder 22">
             <a:extLst>
               <a:ext uri="{FF2B5EF4-FFF2-40B4-BE49-F238E27FC236}">
-                <a16:creationId xmlns:a16="http://schemas.microsoft.com/office/drawing/2014/main" xmlns="" id="{1861EC87-A9E2-4FC3-B8BC-06C520B8A17F}"/>
+                <a16:creationId xmlns="" xmlns:a16="http://schemas.microsoft.com/office/drawing/2014/main" id="{1861EC87-A9E2-4FC3-B8BC-06C520B8A17F}"/>
               </a:ext>
             </a:extLst>
           </p:cNvPr>
@@ -6328,7 +6328,7 @@
           <p:cNvPr id="33" name="Text Placeholder 22">
             <a:extLst>
               <a:ext uri="{FF2B5EF4-FFF2-40B4-BE49-F238E27FC236}">
-                <a16:creationId xmlns:a16="http://schemas.microsoft.com/office/drawing/2014/main" xmlns="" id="{FC3EDE91-631F-4947-94DC-557685FD23E0}"/>
+                <a16:creationId xmlns="" xmlns:a16="http://schemas.microsoft.com/office/drawing/2014/main" id="{FC3EDE91-631F-4947-94DC-557685FD23E0}"/>
               </a:ext>
             </a:extLst>
           </p:cNvPr>
@@ -6377,7 +6377,7 @@
           <p:cNvPr id="34" name="Text Placeholder 22">
             <a:extLst>
               <a:ext uri="{FF2B5EF4-FFF2-40B4-BE49-F238E27FC236}">
-                <a16:creationId xmlns:a16="http://schemas.microsoft.com/office/drawing/2014/main" xmlns="" id="{8FDDBEF4-1329-49DF-B043-D51B34F5EE34}"/>
+                <a16:creationId xmlns="" xmlns:a16="http://schemas.microsoft.com/office/drawing/2014/main" id="{8FDDBEF4-1329-49DF-B043-D51B34F5EE34}"/>
               </a:ext>
             </a:extLst>
           </p:cNvPr>
@@ -6426,7 +6426,7 @@
           <p:cNvPr id="37" name="Picture Placeholder 36">
             <a:extLst>
               <a:ext uri="{FF2B5EF4-FFF2-40B4-BE49-F238E27FC236}">
-                <a16:creationId xmlns:a16="http://schemas.microsoft.com/office/drawing/2014/main" xmlns="" id="{FBDB3FD3-4F52-4E28-B639-5F73070E47D9}"/>
+                <a16:creationId xmlns="" xmlns:a16="http://schemas.microsoft.com/office/drawing/2014/main" id="{FBDB3FD3-4F52-4E28-B639-5F73070E47D9}"/>
               </a:ext>
             </a:extLst>
           </p:cNvPr>
@@ -6583,7 +6583,7 @@
           <p:cNvPr id="22" name="Picture Placeholder 21">
             <a:extLst>
               <a:ext uri="{FF2B5EF4-FFF2-40B4-BE49-F238E27FC236}">
-                <a16:creationId xmlns:a16="http://schemas.microsoft.com/office/drawing/2014/main" xmlns="" id="{DFA57703-9E4A-48E0-A123-3A5EDC76475C}"/>
+                <a16:creationId xmlns="" xmlns:a16="http://schemas.microsoft.com/office/drawing/2014/main" id="{DFA57703-9E4A-48E0-A123-3A5EDC76475C}"/>
               </a:ext>
             </a:extLst>
           </p:cNvPr>
@@ -6620,7 +6620,7 @@
           <p:cNvPr id="2" name="Rectangle 1" descr="Tall office building looking up">
             <a:extLst>
               <a:ext uri="{FF2B5EF4-FFF2-40B4-BE49-F238E27FC236}">
-                <a16:creationId xmlns:a16="http://schemas.microsoft.com/office/drawing/2014/main" xmlns="" id="{AF7FA146-2A75-4EA7-A9AD-EBCE6F17FB42}"/>
+                <a16:creationId xmlns="" xmlns:a16="http://schemas.microsoft.com/office/drawing/2014/main" id="{AF7FA146-2A75-4EA7-A9AD-EBCE6F17FB42}"/>
               </a:ext>
             </a:extLst>
           </p:cNvPr>
@@ -6676,7 +6676,7 @@
           <p:cNvPr id="24" name="Text Placeholder 23">
             <a:extLst>
               <a:ext uri="{FF2B5EF4-FFF2-40B4-BE49-F238E27FC236}">
-                <a16:creationId xmlns:a16="http://schemas.microsoft.com/office/drawing/2014/main" xmlns="" id="{340C15AA-E296-48AE-857F-0589EEA69DC6}"/>
+                <a16:creationId xmlns="" xmlns:a16="http://schemas.microsoft.com/office/drawing/2014/main" id="{340C15AA-E296-48AE-857F-0589EEA69DC6}"/>
               </a:ext>
             </a:extLst>
           </p:cNvPr>
@@ -6729,7 +6729,7 @@
           <p:cNvPr id="6" name="Title 1">
             <a:extLst>
               <a:ext uri="{FF2B5EF4-FFF2-40B4-BE49-F238E27FC236}">
-                <a16:creationId xmlns:a16="http://schemas.microsoft.com/office/drawing/2014/main" xmlns="" id="{162BE5D7-9E35-49F8-A8E4-2093183A6404}"/>
+                <a16:creationId xmlns="" xmlns:a16="http://schemas.microsoft.com/office/drawing/2014/main" id="{162BE5D7-9E35-49F8-A8E4-2093183A6404}"/>
               </a:ext>
             </a:extLst>
           </p:cNvPr>
@@ -6972,7 +6972,7 @@
             <a:fld id="{B61BEF0D-F0BB-DE4B-95CE-6DB70DBA9567}" type="datetimeFigureOut">
               <a:rPr lang="en-US" smtClean="0"/>
               <a:pPr/>
-              <a:t>10/2/2025</a:t>
+              <a:t>10/7/2025</a:t>
             </a:fld>
             <a:endParaRPr lang="en-US" dirty="0"/>
           </a:p>
@@ -7206,7 +7206,7 @@
           <a:p>
             <a:fld id="{EB712588-04B1-427B-82EE-E8DB90309F08}" type="datetimeFigureOut">
               <a:rPr lang="en-US" smtClean="0"/>
-              <a:t>10/2/2025</a:t>
+              <a:t>10/7/2025</a:t>
             </a:fld>
             <a:endParaRPr lang="en-US" dirty="0"/>
           </a:p>
@@ -7582,7 +7582,7 @@
             <a:fld id="{B61BEF0D-F0BB-DE4B-95CE-6DB70DBA9567}" type="datetimeFigureOut">
               <a:rPr lang="en-US" smtClean="0"/>
               <a:pPr/>
-              <a:t>10/2/2025</a:t>
+              <a:t>10/7/2025</a:t>
             </a:fld>
             <a:endParaRPr lang="en-US" dirty="0"/>
           </a:p>
@@ -7708,7 +7708,7 @@
             <a:fld id="{B61BEF0D-F0BB-DE4B-95CE-6DB70DBA9567}" type="datetimeFigureOut">
               <a:rPr lang="en-US" smtClean="0"/>
               <a:pPr/>
-              <a:t>10/2/2025</a:t>
+              <a:t>10/7/2025</a:t>
             </a:fld>
             <a:endParaRPr lang="en-US" dirty="0"/>
           </a:p>
@@ -7806,7 +7806,7 @@
             <a:fld id="{B61BEF0D-F0BB-DE4B-95CE-6DB70DBA9567}" type="datetimeFigureOut">
               <a:rPr lang="en-US" smtClean="0"/>
               <a:pPr/>
-              <a:t>10/2/2025</a:t>
+              <a:t>10/7/2025</a:t>
             </a:fld>
             <a:endParaRPr lang="en-US" dirty="0"/>
           </a:p>
@@ -8063,7 +8063,7 @@
           <a:p>
             <a:fld id="{42A54C80-263E-416B-A8E0-580EDEADCBDC}" type="datetimeFigureOut">
               <a:rPr lang="en-US" smtClean="0"/>
-              <a:t>10/2/2025</a:t>
+              <a:t>10/7/2025</a:t>
             </a:fld>
             <a:endParaRPr lang="en-US" dirty="0"/>
           </a:p>
@@ -8371,7 +8371,7 @@
             <a:fld id="{B61BEF0D-F0BB-DE4B-95CE-6DB70DBA9567}" type="datetimeFigureOut">
               <a:rPr lang="en-US" smtClean="0"/>
               <a:pPr/>
-              <a:t>10/2/2025</a:t>
+              <a:t>10/7/2025</a:t>
             </a:fld>
             <a:endParaRPr lang="en-US" dirty="0"/>
           </a:p>
@@ -9075,7 +9075,7 @@
             <a:fld id="{B61BEF0D-F0BB-DE4B-95CE-6DB70DBA9567}" type="datetimeFigureOut">
               <a:rPr lang="en-US" smtClean="0"/>
               <a:pPr/>
-              <a:t>10/2/2025</a:t>
+              <a:t>10/7/2025</a:t>
             </a:fld>
             <a:endParaRPr lang="en-US" dirty="0"/>
           </a:p>
@@ -9163,7 +9163,7 @@
           <p:cNvPr id="18" name="Date Placeholder 3">
             <a:extLst>
               <a:ext uri="{FF2B5EF4-FFF2-40B4-BE49-F238E27FC236}">
-                <a16:creationId xmlns:a16="http://schemas.microsoft.com/office/drawing/2014/main" xmlns="" id="{2CD6B789-4B66-4BD0-9623-80E9542A65FE}"/>
+                <a16:creationId xmlns="" xmlns:a16="http://schemas.microsoft.com/office/drawing/2014/main" id="{2CD6B789-4B66-4BD0-9623-80E9542A65FE}"/>
               </a:ext>
             </a:extLst>
           </p:cNvPr>
@@ -9286,7 +9286,7 @@
                 </a:solidFill>
               </a:rPr>
               <a:pPr/>
-              <a:t>10/2/2025</a:t>
+              <a:t>10/7/2025</a:t>
             </a:fld>
             <a:endParaRPr lang="en-US" sz="1100" dirty="0">
               <a:solidFill>
@@ -9301,7 +9301,7 @@
           <p:cNvPr id="29" name="Footer Placeholder 4">
             <a:extLst>
               <a:ext uri="{FF2B5EF4-FFF2-40B4-BE49-F238E27FC236}">
-                <a16:creationId xmlns:a16="http://schemas.microsoft.com/office/drawing/2014/main" xmlns="" id="{A3BB5234-44A4-4506-BD19-5808475EBB7F}"/>
+                <a16:creationId xmlns="" xmlns:a16="http://schemas.microsoft.com/office/drawing/2014/main" id="{A3BB5234-44A4-4506-BD19-5808475EBB7F}"/>
               </a:ext>
             </a:extLst>
           </p:cNvPr>
@@ -9434,7 +9434,7 @@
           <p:cNvPr id="30" name="Slide Number Placeholder 5">
             <a:extLst>
               <a:ext uri="{FF2B5EF4-FFF2-40B4-BE49-F238E27FC236}">
-                <a16:creationId xmlns:a16="http://schemas.microsoft.com/office/drawing/2014/main" xmlns="" id="{68D89618-7EE9-46BF-BEAC-45E6F98ACA1A}"/>
+                <a16:creationId xmlns="" xmlns:a16="http://schemas.microsoft.com/office/drawing/2014/main" id="{68D89618-7EE9-46BF-BEAC-45E6F98ACA1A}"/>
               </a:ext>
             </a:extLst>
           </p:cNvPr>
@@ -10026,7 +10026,7 @@
           <p:cNvPr id="2" name="Text Placeholder 1">
             <a:extLst>
               <a:ext uri="{FF2B5EF4-FFF2-40B4-BE49-F238E27FC236}">
-                <a16:creationId xmlns:a16="http://schemas.microsoft.com/office/drawing/2014/main" xmlns="" id="{7201737A-B873-4D1D-8A41-5ABF5184BC8F}"/>
+                <a16:creationId xmlns="" xmlns:a16="http://schemas.microsoft.com/office/drawing/2014/main" id="{7201737A-B873-4D1D-8A41-5ABF5184BC8F}"/>
               </a:ext>
             </a:extLst>
           </p:cNvPr>
@@ -10099,7 +10099,7 @@
           <p:cNvPr id="4" name="Title 3">
             <a:extLst>
               <a:ext uri="{FF2B5EF4-FFF2-40B4-BE49-F238E27FC236}">
-                <a16:creationId xmlns:a16="http://schemas.microsoft.com/office/drawing/2014/main" xmlns="" id="{92056599-CDAA-4367-BEF8-31D6E32518C8}"/>
+                <a16:creationId xmlns="" xmlns:a16="http://schemas.microsoft.com/office/drawing/2014/main" id="{92056599-CDAA-4367-BEF8-31D6E32518C8}"/>
               </a:ext>
             </a:extLst>
           </p:cNvPr>
@@ -10139,7 +10139,7 @@
           <p:cNvPr id="15" name="Text Placeholder 1">
             <a:extLst>
               <a:ext uri="{FF2B5EF4-FFF2-40B4-BE49-F238E27FC236}">
-                <a16:creationId xmlns:a16="http://schemas.microsoft.com/office/drawing/2014/main" xmlns="" id="{824B8A32-9AB3-457E-82E1-C85D3203CE35}"/>
+                <a16:creationId xmlns="" xmlns:a16="http://schemas.microsoft.com/office/drawing/2014/main" id="{824B8A32-9AB3-457E-82E1-C85D3203CE35}"/>
               </a:ext>
             </a:extLst>
           </p:cNvPr>
@@ -10395,7 +10395,7 @@
           <p:cNvPr id="6" name="Picture 5">
             <a:extLst>
               <a:ext uri="{FF2B5EF4-FFF2-40B4-BE49-F238E27FC236}">
-                <a16:creationId xmlns:a16="http://schemas.microsoft.com/office/drawing/2014/main" xmlns="" id="{E30DEFF0-8DEE-4B0B-9B30-675FE9E288A2}"/>
+                <a16:creationId xmlns="" xmlns:a16="http://schemas.microsoft.com/office/drawing/2014/main" id="{E30DEFF0-8DEE-4B0B-9B30-675FE9E288A2}"/>
               </a:ext>
             </a:extLst>
           </p:cNvPr>
@@ -10936,7 +10936,7 @@
         <p:cNvPr id="1" name="">
           <a:extLst>
             <a:ext uri="{FF2B5EF4-FFF2-40B4-BE49-F238E27FC236}">
-              <a16:creationId xmlns:a16="http://schemas.microsoft.com/office/drawing/2014/main" xmlns="" id="{9863FACE-D55E-9B4A-7A75-15654F5D4FD9}"/>
+              <a16:creationId xmlns="" xmlns:a16="http://schemas.microsoft.com/office/drawing/2014/main" id="{9863FACE-D55E-9B4A-7A75-15654F5D4FD9}"/>
             </a:ext>
           </a:extLst>
         </p:cNvPr>
@@ -10956,7 +10956,7 @@
           <p:cNvPr id="5" name="Picture 4">
             <a:extLst>
               <a:ext uri="{FF2B5EF4-FFF2-40B4-BE49-F238E27FC236}">
-                <a16:creationId xmlns:a16="http://schemas.microsoft.com/office/drawing/2014/main" xmlns="" id="{B761536A-9E87-8208-553B-AFA23F55C6EA}"/>
+                <a16:creationId xmlns="" xmlns:a16="http://schemas.microsoft.com/office/drawing/2014/main" id="{B761536A-9E87-8208-553B-AFA23F55C6EA}"/>
               </a:ext>
             </a:extLst>
           </p:cNvPr>
@@ -10985,7 +10985,7 @@
           <p:cNvPr id="4" name="Title 3">
             <a:extLst>
               <a:ext uri="{FF2B5EF4-FFF2-40B4-BE49-F238E27FC236}">
-                <a16:creationId xmlns:a16="http://schemas.microsoft.com/office/drawing/2014/main" xmlns="" id="{C5390BF9-A1B3-D0A5-6FE6-4C64A8B75AA9}"/>
+                <a16:creationId xmlns="" xmlns:a16="http://schemas.microsoft.com/office/drawing/2014/main" id="{C5390BF9-A1B3-D0A5-6FE6-4C64A8B75AA9}"/>
               </a:ext>
             </a:extLst>
           </p:cNvPr>
@@ -11025,7 +11025,7 @@
           <p:cNvPr id="7" name="Text Placeholder 30">
             <a:extLst>
               <a:ext uri="{FF2B5EF4-FFF2-40B4-BE49-F238E27FC236}">
-                <a16:creationId xmlns:a16="http://schemas.microsoft.com/office/drawing/2014/main" xmlns="" id="{C0B10ED4-748B-FD2D-3185-4AB559AC710B}"/>
+                <a16:creationId xmlns="" xmlns:a16="http://schemas.microsoft.com/office/drawing/2014/main" id="{C0B10ED4-748B-FD2D-3185-4AB559AC710B}"/>
               </a:ext>
             </a:extLst>
           </p:cNvPr>
@@ -11281,7 +11281,7 @@
           <p:cNvPr id="8" name="Text Placeholder 30">
             <a:extLst>
               <a:ext uri="{FF2B5EF4-FFF2-40B4-BE49-F238E27FC236}">
-                <a16:creationId xmlns:a16="http://schemas.microsoft.com/office/drawing/2014/main" xmlns="" id="{81BF57D1-2242-C3F4-D177-EE064D5454A4}"/>
+                <a16:creationId xmlns="" xmlns:a16="http://schemas.microsoft.com/office/drawing/2014/main" id="{81BF57D1-2242-C3F4-D177-EE064D5454A4}"/>
               </a:ext>
             </a:extLst>
           </p:cNvPr>
@@ -11919,7 +11919,7 @@
         <p:cNvPr id="1" name="">
           <a:extLst>
             <a:ext uri="{FF2B5EF4-FFF2-40B4-BE49-F238E27FC236}">
-              <a16:creationId xmlns:a16="http://schemas.microsoft.com/office/drawing/2014/main" xmlns="" id="{19FCD52E-39EF-82B8-E116-6B0D9B50E1D3}"/>
+              <a16:creationId xmlns="" xmlns:a16="http://schemas.microsoft.com/office/drawing/2014/main" id="{19FCD52E-39EF-82B8-E116-6B0D9B50E1D3}"/>
             </a:ext>
           </a:extLst>
         </p:cNvPr>
@@ -11939,7 +11939,7 @@
           <p:cNvPr id="5" name="Picture 4">
             <a:extLst>
               <a:ext uri="{FF2B5EF4-FFF2-40B4-BE49-F238E27FC236}">
-                <a16:creationId xmlns:a16="http://schemas.microsoft.com/office/drawing/2014/main" xmlns="" id="{10214EFD-3FAC-BE9B-CFBB-2D1FCCED0126}"/>
+                <a16:creationId xmlns="" xmlns:a16="http://schemas.microsoft.com/office/drawing/2014/main" id="{10214EFD-3FAC-BE9B-CFBB-2D1FCCED0126}"/>
               </a:ext>
             </a:extLst>
           </p:cNvPr>
@@ -11968,7 +11968,7 @@
           <p:cNvPr id="4" name="Title 3">
             <a:extLst>
               <a:ext uri="{FF2B5EF4-FFF2-40B4-BE49-F238E27FC236}">
-                <a16:creationId xmlns:a16="http://schemas.microsoft.com/office/drawing/2014/main" xmlns="" id="{5359B88B-4EF4-AA7A-A15C-4B2147671C19}"/>
+                <a16:creationId xmlns="" xmlns:a16="http://schemas.microsoft.com/office/drawing/2014/main" id="{5359B88B-4EF4-AA7A-A15C-4B2147671C19}"/>
               </a:ext>
             </a:extLst>
           </p:cNvPr>
@@ -12008,7 +12008,7 @@
           <p:cNvPr id="7" name="Text Placeholder 30">
             <a:extLst>
               <a:ext uri="{FF2B5EF4-FFF2-40B4-BE49-F238E27FC236}">
-                <a16:creationId xmlns:a16="http://schemas.microsoft.com/office/drawing/2014/main" xmlns="" id="{C23E8C61-31F1-4380-CEFB-D75448F856D7}"/>
+                <a16:creationId xmlns="" xmlns:a16="http://schemas.microsoft.com/office/drawing/2014/main" id="{C23E8C61-31F1-4380-CEFB-D75448F856D7}"/>
               </a:ext>
             </a:extLst>
           </p:cNvPr>
@@ -12264,7 +12264,7 @@
           <p:cNvPr id="8" name="Text Placeholder 30">
             <a:extLst>
               <a:ext uri="{FF2B5EF4-FFF2-40B4-BE49-F238E27FC236}">
-                <a16:creationId xmlns:a16="http://schemas.microsoft.com/office/drawing/2014/main" xmlns="" id="{1F0577D1-D5B1-726B-4FAB-B353BDE31B12}"/>
+                <a16:creationId xmlns="" xmlns:a16="http://schemas.microsoft.com/office/drawing/2014/main" id="{1F0577D1-D5B1-726B-4FAB-B353BDE31B12}"/>
               </a:ext>
             </a:extLst>
           </p:cNvPr>
@@ -12916,7 +12916,7 @@
           <p:cNvPr id="3" name="Title 1">
             <a:extLst>
               <a:ext uri="{FF2B5EF4-FFF2-40B4-BE49-F238E27FC236}">
-                <a16:creationId xmlns:a16="http://schemas.microsoft.com/office/drawing/2014/main" xmlns="" id="{D88C20CF-C1EE-4092-B52D-FD4AB2AB2508}"/>
+                <a16:creationId xmlns="" xmlns:a16="http://schemas.microsoft.com/office/drawing/2014/main" id="{D88C20CF-C1EE-4092-B52D-FD4AB2AB2508}"/>
               </a:ext>
             </a:extLst>
           </p:cNvPr>
@@ -12955,7 +12955,7 @@
           <p:cNvPr id="31" name="Text Placeholder 30">
             <a:extLst>
               <a:ext uri="{FF2B5EF4-FFF2-40B4-BE49-F238E27FC236}">
-                <a16:creationId xmlns:a16="http://schemas.microsoft.com/office/drawing/2014/main" xmlns="" id="{97AB1F14-3A1E-4057-A473-9975BA59F012}"/>
+                <a16:creationId xmlns="" xmlns:a16="http://schemas.microsoft.com/office/drawing/2014/main" id="{97AB1F14-3A1E-4057-A473-9975BA59F012}"/>
               </a:ext>
             </a:extLst>
           </p:cNvPr>
@@ -12990,7 +12990,7 @@
           <p:cNvPr id="17" name="Text Placeholder 28">
             <a:extLst>
               <a:ext uri="{FF2B5EF4-FFF2-40B4-BE49-F238E27FC236}">
-                <a16:creationId xmlns:a16="http://schemas.microsoft.com/office/drawing/2014/main" xmlns="" id="{E212CE24-374D-44D0-8F39-0F5A36E42ED7}"/>
+                <a16:creationId xmlns="" xmlns:a16="http://schemas.microsoft.com/office/drawing/2014/main" id="{E212CE24-374D-44D0-8F39-0F5A36E42ED7}"/>
               </a:ext>
             </a:extLst>
           </p:cNvPr>
@@ -13246,7 +13246,7 @@
           <p:cNvPr id="20" name="Text Placeholder 28">
             <a:extLst>
               <a:ext uri="{FF2B5EF4-FFF2-40B4-BE49-F238E27FC236}">
-                <a16:creationId xmlns:a16="http://schemas.microsoft.com/office/drawing/2014/main" xmlns="" id="{A09A5BC1-0E62-4E6B-A590-951A87D4B4FE}"/>
+                <a16:creationId xmlns="" xmlns:a16="http://schemas.microsoft.com/office/drawing/2014/main" id="{A09A5BC1-0E62-4E6B-A590-951A87D4B4FE}"/>
               </a:ext>
             </a:extLst>
           </p:cNvPr>
@@ -13502,7 +13502,7 @@
           <p:cNvPr id="23" name="Text Placeholder 28">
             <a:extLst>
               <a:ext uri="{FF2B5EF4-FFF2-40B4-BE49-F238E27FC236}">
-                <a16:creationId xmlns:a16="http://schemas.microsoft.com/office/drawing/2014/main" xmlns="" id="{9E6B148F-F3B6-4E6B-9B85-645C039858E8}"/>
+                <a16:creationId xmlns="" xmlns:a16="http://schemas.microsoft.com/office/drawing/2014/main" id="{9E6B148F-F3B6-4E6B-9B85-645C039858E8}"/>
               </a:ext>
             </a:extLst>
           </p:cNvPr>
@@ -13758,7 +13758,7 @@
           <p:cNvPr id="30" name="Text Placeholder 30">
             <a:extLst>
               <a:ext uri="{FF2B5EF4-FFF2-40B4-BE49-F238E27FC236}">
-                <a16:creationId xmlns:a16="http://schemas.microsoft.com/office/drawing/2014/main" xmlns="" id="{D3BF02F6-2753-476A-8046-A85AE3A49748}"/>
+                <a16:creationId xmlns="" xmlns:a16="http://schemas.microsoft.com/office/drawing/2014/main" id="{D3BF02F6-2753-476A-8046-A85AE3A49748}"/>
               </a:ext>
             </a:extLst>
           </p:cNvPr>
@@ -14014,7 +14014,7 @@
           <p:cNvPr id="32" name="Text Placeholder 30">
             <a:extLst>
               <a:ext uri="{FF2B5EF4-FFF2-40B4-BE49-F238E27FC236}">
-                <a16:creationId xmlns:a16="http://schemas.microsoft.com/office/drawing/2014/main" xmlns="" id="{B993AB29-3A3A-4473-8AC8-86E859C97321}"/>
+                <a16:creationId xmlns="" xmlns:a16="http://schemas.microsoft.com/office/drawing/2014/main" id="{B993AB29-3A3A-4473-8AC8-86E859C97321}"/>
               </a:ext>
             </a:extLst>
           </p:cNvPr>
@@ -14273,7 +14273,7 @@
           <p:cNvPr id="15" name="Picture 14">
             <a:extLst>
               <a:ext uri="{FF2B5EF4-FFF2-40B4-BE49-F238E27FC236}">
-                <a16:creationId xmlns:a16="http://schemas.microsoft.com/office/drawing/2014/main" xmlns="" id="{BD3F9E86-2FB3-4DB3-9343-59D594F350A0}"/>
+                <a16:creationId xmlns="" xmlns:a16="http://schemas.microsoft.com/office/drawing/2014/main" id="{BD3F9E86-2FB3-4DB3-9343-59D594F350A0}"/>
               </a:ext>
             </a:extLst>
           </p:cNvPr>
@@ -14302,7 +14302,7 @@
           <p:cNvPr id="12" name="Text Placeholder 11">
             <a:extLst>
               <a:ext uri="{FF2B5EF4-FFF2-40B4-BE49-F238E27FC236}">
-                <a16:creationId xmlns:a16="http://schemas.microsoft.com/office/drawing/2014/main" xmlns="" id="{BC277FD7-925B-4C3D-A364-118403201507}"/>
+                <a16:creationId xmlns="" xmlns:a16="http://schemas.microsoft.com/office/drawing/2014/main" id="{BC277FD7-925B-4C3D-A364-118403201507}"/>
               </a:ext>
             </a:extLst>
           </p:cNvPr>
@@ -14990,7 +14990,7 @@
           <p:cNvPr id="2" name="Text Placeholder 1">
             <a:extLst>
               <a:ext uri="{FF2B5EF4-FFF2-40B4-BE49-F238E27FC236}">
-                <a16:creationId xmlns:a16="http://schemas.microsoft.com/office/drawing/2014/main" xmlns="" id="{E46E4DD1-270B-4C80-AFF0-EB26F132AF36}"/>
+                <a16:creationId xmlns="" xmlns:a16="http://schemas.microsoft.com/office/drawing/2014/main" id="{E46E4DD1-270B-4C80-AFF0-EB26F132AF36}"/>
               </a:ext>
             </a:extLst>
           </p:cNvPr>
@@ -15035,7 +15035,7 @@
           <p:cNvPr id="4" name="Title 3">
             <a:extLst>
               <a:ext uri="{FF2B5EF4-FFF2-40B4-BE49-F238E27FC236}">
-                <a16:creationId xmlns:a16="http://schemas.microsoft.com/office/drawing/2014/main" xmlns="" id="{777CC02B-F7C6-47A8-8C3E-C57C417D9EA3}"/>
+                <a16:creationId xmlns="" xmlns:a16="http://schemas.microsoft.com/office/drawing/2014/main" id="{777CC02B-F7C6-47A8-8C3E-C57C417D9EA3}"/>
               </a:ext>
             </a:extLst>
           </p:cNvPr>
@@ -15071,7 +15071,7 @@
           <p:cNvPr id="5" name="Picture 4">
             <a:extLst>
               <a:ext uri="{FF2B5EF4-FFF2-40B4-BE49-F238E27FC236}">
-                <a16:creationId xmlns:a16="http://schemas.microsoft.com/office/drawing/2014/main" xmlns="" id="{C8FE02DE-D7B2-433D-BFE4-2F564022AD89}"/>
+                <a16:creationId xmlns="" xmlns:a16="http://schemas.microsoft.com/office/drawing/2014/main" id="{C8FE02DE-D7B2-433D-BFE4-2F564022AD89}"/>
               </a:ext>
             </a:extLst>
           </p:cNvPr>
@@ -15101,7 +15101,7 @@
           <p:cNvPr id="6" name="Picture 5">
             <a:extLst>
               <a:ext uri="{FF2B5EF4-FFF2-40B4-BE49-F238E27FC236}">
-                <a16:creationId xmlns:a16="http://schemas.microsoft.com/office/drawing/2014/main" xmlns="" id="{736DEFE3-051A-494A-949C-BB2FF86F9ED7}"/>
+                <a16:creationId xmlns="" xmlns:a16="http://schemas.microsoft.com/office/drawing/2014/main" id="{736DEFE3-051A-494A-949C-BB2FF86F9ED7}"/>
               </a:ext>
             </a:extLst>
           </p:cNvPr>
@@ -15418,7 +15418,7 @@
           <p:cNvPr id="3" name="Title 2">
             <a:extLst>
               <a:ext uri="{FF2B5EF4-FFF2-40B4-BE49-F238E27FC236}">
-                <a16:creationId xmlns:a16="http://schemas.microsoft.com/office/drawing/2014/main" xmlns="" id="{EBF2FBC7-3552-4F01-BB27-8BEEE74F7277}"/>
+                <a16:creationId xmlns="" xmlns:a16="http://schemas.microsoft.com/office/drawing/2014/main" id="{EBF2FBC7-3552-4F01-BB27-8BEEE74F7277}"/>
               </a:ext>
             </a:extLst>
           </p:cNvPr>
@@ -15465,7 +15465,7 @@
           <p:cNvPr id="5" name="Picture 4">
             <a:extLst>
               <a:ext uri="{FF2B5EF4-FFF2-40B4-BE49-F238E27FC236}">
-                <a16:creationId xmlns:a16="http://schemas.microsoft.com/office/drawing/2014/main" xmlns="" id="{09D8A2BA-6C1D-4A33-85F2-E44A4FF54A1C}"/>
+                <a16:creationId xmlns="" xmlns:a16="http://schemas.microsoft.com/office/drawing/2014/main" id="{09D8A2BA-6C1D-4A33-85F2-E44A4FF54A1C}"/>
               </a:ext>
             </a:extLst>
           </p:cNvPr>
@@ -15494,7 +15494,7 @@
           <p:cNvPr id="6" name="Picture 5">
             <a:extLst>
               <a:ext uri="{FF2B5EF4-FFF2-40B4-BE49-F238E27FC236}">
-                <a16:creationId xmlns:a16="http://schemas.microsoft.com/office/drawing/2014/main" xmlns="" id="{6BED3D6A-DC10-4985-B01B-735F2CBA6E47}"/>
+                <a16:creationId xmlns="" xmlns:a16="http://schemas.microsoft.com/office/drawing/2014/main" id="{6BED3D6A-DC10-4985-B01B-735F2CBA6E47}"/>
               </a:ext>
             </a:extLst>
           </p:cNvPr>
@@ -15822,7 +15822,7 @@
           <p:cNvPr id="2" name="Text Placeholder 1">
             <a:extLst>
               <a:ext uri="{FF2B5EF4-FFF2-40B4-BE49-F238E27FC236}">
-                <a16:creationId xmlns:a16="http://schemas.microsoft.com/office/drawing/2014/main" xmlns="" id="{664E3B60-2780-459A-8583-F095D5E7463A}"/>
+                <a16:creationId xmlns="" xmlns:a16="http://schemas.microsoft.com/office/drawing/2014/main" id="{664E3B60-2780-459A-8583-F095D5E7463A}"/>
               </a:ext>
             </a:extLst>
           </p:cNvPr>
@@ -15929,7 +15929,7 @@
           <p:cNvPr id="4" name="Title 3">
             <a:extLst>
               <a:ext uri="{FF2B5EF4-FFF2-40B4-BE49-F238E27FC236}">
-                <a16:creationId xmlns:a16="http://schemas.microsoft.com/office/drawing/2014/main" xmlns="" id="{1A4A072B-83C6-4607-AE6A-5AD61CC72C44}"/>
+                <a16:creationId xmlns="" xmlns:a16="http://schemas.microsoft.com/office/drawing/2014/main" id="{1A4A072B-83C6-4607-AE6A-5AD61CC72C44}"/>
               </a:ext>
             </a:extLst>
           </p:cNvPr>
@@ -15965,7 +15965,7 @@
           <p:cNvPr id="6" name="Picture 5">
             <a:extLst>
               <a:ext uri="{FF2B5EF4-FFF2-40B4-BE49-F238E27FC236}">
-                <a16:creationId xmlns:a16="http://schemas.microsoft.com/office/drawing/2014/main" xmlns="" id="{E8B153BB-61B9-403F-8AE5-F75400450AC0}"/>
+                <a16:creationId xmlns="" xmlns:a16="http://schemas.microsoft.com/office/drawing/2014/main" id="{E8B153BB-61B9-403F-8AE5-F75400450AC0}"/>
               </a:ext>
             </a:extLst>
           </p:cNvPr>
@@ -16743,7 +16743,7 @@
           <p:cNvPr id="6" name="Picture 5">
             <a:extLst>
               <a:ext uri="{FF2B5EF4-FFF2-40B4-BE49-F238E27FC236}">
-                <a16:creationId xmlns:a16="http://schemas.microsoft.com/office/drawing/2014/main" xmlns="" id="{0B7C27C4-3E14-490A-B132-CBBEDA1E905A}"/>
+                <a16:creationId xmlns="" xmlns:a16="http://schemas.microsoft.com/office/drawing/2014/main" id="{0B7C27C4-3E14-490A-B132-CBBEDA1E905A}"/>
               </a:ext>
             </a:extLst>
           </p:cNvPr>
@@ -16773,7 +16773,7 @@
           <p:cNvPr id="2" name="Picture 1">
             <a:extLst>
               <a:ext uri="{FF2B5EF4-FFF2-40B4-BE49-F238E27FC236}">
-                <a16:creationId xmlns:a16="http://schemas.microsoft.com/office/drawing/2014/main" xmlns="" id="{F1FC3E39-8C60-4F64-9838-2A683F25B8C4}"/>
+                <a16:creationId xmlns="" xmlns:a16="http://schemas.microsoft.com/office/drawing/2014/main" id="{F1FC3E39-8C60-4F64-9838-2A683F25B8C4}"/>
               </a:ext>
             </a:extLst>
           </p:cNvPr>
@@ -16803,7 +16803,7 @@
           <p:cNvPr id="7" name="Text Placeholder 6">
             <a:extLst>
               <a:ext uri="{FF2B5EF4-FFF2-40B4-BE49-F238E27FC236}">
-                <a16:creationId xmlns:a16="http://schemas.microsoft.com/office/drawing/2014/main" xmlns="" id="{B21C28F5-3CA3-4B78-B5C9-550C00BB3174}"/>
+                <a16:creationId xmlns="" xmlns:a16="http://schemas.microsoft.com/office/drawing/2014/main" id="{B21C28F5-3CA3-4B78-B5C9-550C00BB3174}"/>
               </a:ext>
             </a:extLst>
           </p:cNvPr>
@@ -17196,7 +17196,7 @@
           <p:cNvPr id="9" name="Title 8">
             <a:extLst>
               <a:ext uri="{FF2B5EF4-FFF2-40B4-BE49-F238E27FC236}">
-                <a16:creationId xmlns:a16="http://schemas.microsoft.com/office/drawing/2014/main" xmlns="" id="{FEF304F5-32C5-4869-B185-859B567855A8}"/>
+                <a16:creationId xmlns="" xmlns:a16="http://schemas.microsoft.com/office/drawing/2014/main" id="{FEF304F5-32C5-4869-B185-859B567855A8}"/>
               </a:ext>
             </a:extLst>
           </p:cNvPr>
@@ -18612,7 +18612,7 @@
           <p:cNvPr id="5" name="Picture 4">
             <a:extLst>
               <a:ext uri="{FF2B5EF4-FFF2-40B4-BE49-F238E27FC236}">
-                <a16:creationId xmlns:a16="http://schemas.microsoft.com/office/drawing/2014/main" xmlns="" id="{BBB0C869-7C5C-4070-BD4D-F3FC2DA8F301}"/>
+                <a16:creationId xmlns="" xmlns:a16="http://schemas.microsoft.com/office/drawing/2014/main" id="{BBB0C869-7C5C-4070-BD4D-F3FC2DA8F301}"/>
               </a:ext>
             </a:extLst>
           </p:cNvPr>
@@ -18641,7 +18641,7 @@
           <p:cNvPr id="4" name="Title 3">
             <a:extLst>
               <a:ext uri="{FF2B5EF4-FFF2-40B4-BE49-F238E27FC236}">
-                <a16:creationId xmlns:a16="http://schemas.microsoft.com/office/drawing/2014/main" xmlns="" id="{AFE3A2AF-177E-45E6-A191-0F8523DB7FFA}"/>
+                <a16:creationId xmlns="" xmlns:a16="http://schemas.microsoft.com/office/drawing/2014/main" id="{AFE3A2AF-177E-45E6-A191-0F8523DB7FFA}"/>
               </a:ext>
             </a:extLst>
           </p:cNvPr>
@@ -18677,7 +18677,7 @@
           <p:cNvPr id="7" name="Text Placeholder 30">
             <a:extLst>
               <a:ext uri="{FF2B5EF4-FFF2-40B4-BE49-F238E27FC236}">
-                <a16:creationId xmlns:a16="http://schemas.microsoft.com/office/drawing/2014/main" xmlns="" id="{372426BE-BEE7-4A6D-BCD2-059615BBCE25}"/>
+                <a16:creationId xmlns="" xmlns:a16="http://schemas.microsoft.com/office/drawing/2014/main" id="{372426BE-BEE7-4A6D-BCD2-059615BBCE25}"/>
               </a:ext>
             </a:extLst>
           </p:cNvPr>
@@ -18928,301 +18928,36 @@
           </a:p>
         </p:txBody>
       </p:sp>
-      <p:sp>
-        <p:nvSpPr>
-          <p:cNvPr id="8" name="Text Placeholder 30">
+      <p:pic>
+        <p:nvPicPr>
+          <p:cNvPr id="3" name="Picture 2"/>
+          <p:cNvPicPr>
+            <a:picLocks noChangeAspect="1"/>
+          </p:cNvPicPr>
+          <p:nvPr/>
+        </p:nvPicPr>
+        <p:blipFill>
+          <a:blip r:embed="rId3">
             <a:extLst>
-              <a:ext uri="{FF2B5EF4-FFF2-40B4-BE49-F238E27FC236}">
-                <a16:creationId xmlns:a16="http://schemas.microsoft.com/office/drawing/2014/main" xmlns="" id="{E61E227A-5883-4C77-B25A-46A22FFDF41F}"/>
+              <a:ext uri="{28A0092B-C50C-407E-A947-70E740481C1C}">
+                <a14:useLocalDpi xmlns:a14="http://schemas.microsoft.com/office/drawing/2010/main" val="0"/>
               </a:ext>
             </a:extLst>
-          </p:cNvPr>
-          <p:cNvSpPr txBox="1">
-            <a:spLocks/>
-          </p:cNvSpPr>
-          <p:nvPr/>
-        </p:nvSpPr>
+          </a:blip>
+          <a:stretch>
+            <a:fillRect/>
+          </a:stretch>
+        </p:blipFill>
         <p:spPr>
           <a:xfrm>
-            <a:off x="4345694" y="1275371"/>
-            <a:ext cx="3343561" cy="666078"/>
+            <a:off x="3867343" y="0"/>
+            <a:ext cx="2018914" cy="6858000"/>
           </a:xfrm>
           <a:prstGeom prst="rect">
             <a:avLst/>
           </a:prstGeom>
         </p:spPr>
-        <p:txBody>
-          <a:bodyPr vert="horz" lIns="91440" tIns="45720" rIns="91440" bIns="45720" rtlCol="0">
-            <a:normAutofit/>
-          </a:bodyPr>
-          <a:lstStyle>
-            <a:lvl1pPr marL="0" indent="0" algn="ctr" defTabSz="457200" rtl="0" eaLnBrk="1" latinLnBrk="0" hangingPunct="1">
-              <a:spcBef>
-                <a:spcPts val="1000"/>
-              </a:spcBef>
-              <a:spcAft>
-                <a:spcPts val="0"/>
-              </a:spcAft>
-              <a:buClr>
-                <a:schemeClr val="accent1"/>
-              </a:buClr>
-              <a:buSzPct val="80000"/>
-              <a:buFont typeface="Wingdings 3" charset="2"/>
-              <a:buNone/>
-              <a:defRPr lang="en-US" sz="1600" kern="1200" dirty="0" smtClean="0">
-                <a:solidFill>
-                  <a:schemeClr val="tx1"/>
-                </a:solidFill>
-                <a:latin typeface="+mn-lt"/>
-                <a:ea typeface="+mn-ea"/>
-                <a:cs typeface="+mn-cs"/>
-              </a:defRPr>
-            </a:lvl1pPr>
-            <a:lvl2pPr marL="742950" indent="-285750" algn="l" defTabSz="457200" rtl="0" eaLnBrk="1" latinLnBrk="0" hangingPunct="1">
-              <a:spcBef>
-                <a:spcPts val="1000"/>
-              </a:spcBef>
-              <a:spcAft>
-                <a:spcPts val="0"/>
-              </a:spcAft>
-              <a:buClr>
-                <a:schemeClr val="accent1"/>
-              </a:buClr>
-              <a:buSzPct val="80000"/>
-              <a:buFont typeface="Wingdings 3" charset="2"/>
-              <a:buChar char=""/>
-              <a:defRPr sz="1600" kern="1200">
-                <a:solidFill>
-                  <a:schemeClr val="tx1">
-                    <a:lumMod val="75000"/>
-                    <a:lumOff val="25000"/>
-                  </a:schemeClr>
-                </a:solidFill>
-                <a:latin typeface="+mn-lt"/>
-                <a:ea typeface="+mn-ea"/>
-                <a:cs typeface="+mn-cs"/>
-              </a:defRPr>
-            </a:lvl2pPr>
-            <a:lvl3pPr marL="1143000" indent="-228600" algn="l" defTabSz="457200" rtl="0" eaLnBrk="1" latinLnBrk="0" hangingPunct="1">
-              <a:spcBef>
-                <a:spcPts val="1000"/>
-              </a:spcBef>
-              <a:spcAft>
-                <a:spcPts val="0"/>
-              </a:spcAft>
-              <a:buClr>
-                <a:schemeClr val="accent1"/>
-              </a:buClr>
-              <a:buSzPct val="80000"/>
-              <a:buFont typeface="Wingdings 3" charset="2"/>
-              <a:buChar char=""/>
-              <a:defRPr sz="1400" kern="1200">
-                <a:solidFill>
-                  <a:schemeClr val="tx1">
-                    <a:lumMod val="75000"/>
-                    <a:lumOff val="25000"/>
-                  </a:schemeClr>
-                </a:solidFill>
-                <a:latin typeface="+mn-lt"/>
-                <a:ea typeface="+mn-ea"/>
-                <a:cs typeface="+mn-cs"/>
-              </a:defRPr>
-            </a:lvl3pPr>
-            <a:lvl4pPr marL="1600200" indent="-228600" algn="l" defTabSz="457200" rtl="0" eaLnBrk="1" latinLnBrk="0" hangingPunct="1">
-              <a:spcBef>
-                <a:spcPts val="1000"/>
-              </a:spcBef>
-              <a:spcAft>
-                <a:spcPts val="0"/>
-              </a:spcAft>
-              <a:buClr>
-                <a:schemeClr val="accent1"/>
-              </a:buClr>
-              <a:buSzPct val="80000"/>
-              <a:buFont typeface="Wingdings 3" charset="2"/>
-              <a:buChar char=""/>
-              <a:defRPr sz="1200" kern="1200">
-                <a:solidFill>
-                  <a:schemeClr val="tx1">
-                    <a:lumMod val="75000"/>
-                    <a:lumOff val="25000"/>
-                  </a:schemeClr>
-                </a:solidFill>
-                <a:latin typeface="+mn-lt"/>
-                <a:ea typeface="+mn-ea"/>
-                <a:cs typeface="+mn-cs"/>
-              </a:defRPr>
-            </a:lvl4pPr>
-            <a:lvl5pPr marL="2057400" indent="-228600" algn="l" defTabSz="457200" rtl="0" eaLnBrk="1" latinLnBrk="0" hangingPunct="1">
-              <a:spcBef>
-                <a:spcPts val="1000"/>
-              </a:spcBef>
-              <a:spcAft>
-                <a:spcPts val="0"/>
-              </a:spcAft>
-              <a:buClr>
-                <a:schemeClr val="accent1"/>
-              </a:buClr>
-              <a:buSzPct val="80000"/>
-              <a:buFont typeface="Wingdings 3" charset="2"/>
-              <a:buChar char=""/>
-              <a:defRPr sz="1200" kern="1200">
-                <a:solidFill>
-                  <a:schemeClr val="tx1">
-                    <a:lumMod val="75000"/>
-                    <a:lumOff val="25000"/>
-                  </a:schemeClr>
-                </a:solidFill>
-                <a:latin typeface="+mn-lt"/>
-                <a:ea typeface="+mn-ea"/>
-                <a:cs typeface="+mn-cs"/>
-              </a:defRPr>
-            </a:lvl5pPr>
-            <a:lvl6pPr marL="2514600" indent="-228600" algn="l" defTabSz="457200" rtl="0" eaLnBrk="1" latinLnBrk="0" hangingPunct="1">
-              <a:spcBef>
-                <a:spcPts val="1000"/>
-              </a:spcBef>
-              <a:spcAft>
-                <a:spcPts val="0"/>
-              </a:spcAft>
-              <a:buClr>
-                <a:schemeClr val="accent1"/>
-              </a:buClr>
-              <a:buSzPct val="80000"/>
-              <a:buFont typeface="Wingdings 3" charset="2"/>
-              <a:buChar char=""/>
-              <a:defRPr sz="1200" kern="1200">
-                <a:solidFill>
-                  <a:schemeClr val="tx1">
-                    <a:lumMod val="75000"/>
-                    <a:lumOff val="25000"/>
-                  </a:schemeClr>
-                </a:solidFill>
-                <a:latin typeface="+mn-lt"/>
-                <a:ea typeface="+mn-ea"/>
-                <a:cs typeface="+mn-cs"/>
-              </a:defRPr>
-            </a:lvl6pPr>
-            <a:lvl7pPr marL="2971800" indent="-228600" algn="l" defTabSz="457200" rtl="0" eaLnBrk="1" latinLnBrk="0" hangingPunct="1">
-              <a:spcBef>
-                <a:spcPts val="1000"/>
-              </a:spcBef>
-              <a:spcAft>
-                <a:spcPts val="0"/>
-              </a:spcAft>
-              <a:buClr>
-                <a:schemeClr val="accent1"/>
-              </a:buClr>
-              <a:buSzPct val="80000"/>
-              <a:buFont typeface="Wingdings 3" charset="2"/>
-              <a:buChar char=""/>
-              <a:defRPr sz="1200" kern="1200">
-                <a:solidFill>
-                  <a:schemeClr val="tx1">
-                    <a:lumMod val="75000"/>
-                    <a:lumOff val="25000"/>
-                  </a:schemeClr>
-                </a:solidFill>
-                <a:latin typeface="+mn-lt"/>
-                <a:ea typeface="+mn-ea"/>
-                <a:cs typeface="+mn-cs"/>
-              </a:defRPr>
-            </a:lvl7pPr>
-            <a:lvl8pPr marL="3429000" indent="-228600" algn="l" defTabSz="457200" rtl="0" eaLnBrk="1" latinLnBrk="0" hangingPunct="1">
-              <a:spcBef>
-                <a:spcPts val="1000"/>
-              </a:spcBef>
-              <a:spcAft>
-                <a:spcPts val="0"/>
-              </a:spcAft>
-              <a:buClr>
-                <a:schemeClr val="accent1"/>
-              </a:buClr>
-              <a:buSzPct val="80000"/>
-              <a:buFont typeface="Wingdings 3" charset="2"/>
-              <a:buChar char=""/>
-              <a:defRPr sz="1200" kern="1200">
-                <a:solidFill>
-                  <a:schemeClr val="tx1">
-                    <a:lumMod val="75000"/>
-                    <a:lumOff val="25000"/>
-                  </a:schemeClr>
-                </a:solidFill>
-                <a:latin typeface="+mn-lt"/>
-                <a:ea typeface="+mn-ea"/>
-                <a:cs typeface="+mn-cs"/>
-              </a:defRPr>
-            </a:lvl8pPr>
-            <a:lvl9pPr marL="3886200" indent="-228600" algn="l" defTabSz="457200" rtl="0" eaLnBrk="1" latinLnBrk="0" hangingPunct="1">
-              <a:spcBef>
-                <a:spcPts val="1000"/>
-              </a:spcBef>
-              <a:spcAft>
-                <a:spcPts val="0"/>
-              </a:spcAft>
-              <a:buClr>
-                <a:schemeClr val="accent1"/>
-              </a:buClr>
-              <a:buSzPct val="80000"/>
-              <a:buFont typeface="Wingdings 3" charset="2"/>
-              <a:buChar char=""/>
-              <a:defRPr sz="1200" kern="1200">
-                <a:solidFill>
-                  <a:schemeClr val="tx1">
-                    <a:lumMod val="75000"/>
-                    <a:lumOff val="25000"/>
-                  </a:schemeClr>
-                </a:solidFill>
-                <a:latin typeface="+mn-lt"/>
-                <a:ea typeface="+mn-ea"/>
-                <a:cs typeface="+mn-cs"/>
-              </a:defRPr>
-            </a:lvl9pPr>
-          </a:lstStyle>
-          <a:p>
-            <a:endParaRPr lang="en-GB" sz="2000" dirty="0"/>
-          </a:p>
-        </p:txBody>
-      </p:sp>
-      <p:sp>
-        <p:nvSpPr>
-          <p:cNvPr id="10" name="Text Placeholder 1">
-            <a:extLst>
-              <a:ext uri="{FF2B5EF4-FFF2-40B4-BE49-F238E27FC236}">
-                <a16:creationId xmlns:a16="http://schemas.microsoft.com/office/drawing/2014/main" xmlns="" id="{B19D8AC7-3787-4ADB-9212-0808F015C2DD}"/>
-              </a:ext>
-            </a:extLst>
-          </p:cNvPr>
-          <p:cNvSpPr>
-            <a:spLocks noGrp="1"/>
-          </p:cNvSpPr>
-          <p:nvPr>
-            <p:ph type="body" sz="quarter" idx="12"/>
-          </p:nvPr>
-        </p:nvSpPr>
-        <p:spPr>
-          <a:xfrm>
-            <a:off x="807164" y="1431693"/>
-            <a:ext cx="4275138" cy="477520"/>
-          </a:xfrm>
-        </p:spPr>
-        <p:txBody>
-          <a:bodyPr>
-            <a:normAutofit fontScale="77500" lnSpcReduction="20000"/>
-          </a:bodyPr>
-          <a:lstStyle/>
-          <a:p>
-            <a:pPr marL="0" indent="0">
-              <a:buNone/>
-            </a:pPr>
-            <a:r>
-              <a:rPr lang="en-US" dirty="0"/>
-              <a:t>[Add screen shots of your code or Chart(s) ]</a:t>
-            </a:r>
-            <a:endParaRPr lang="en-IN" dirty="0"/>
-          </a:p>
-        </p:txBody>
-      </p:sp>
+      </p:pic>
     </p:spTree>
     <p:extLst>
       <p:ext uri="{BB962C8B-B14F-4D97-AF65-F5344CB8AC3E}">
@@ -19444,225 +19179,6 @@
                       </p:childTnLst>
                     </p:cTn>
                   </p:par>
-                  <p:par>
-                    <p:cTn id="17" fill="hold">
-                      <p:stCondLst>
-                        <p:cond delay="indefinite"/>
-                      </p:stCondLst>
-                      <p:childTnLst>
-                        <p:par>
-                          <p:cTn id="18" fill="hold">
-                            <p:stCondLst>
-                              <p:cond delay="0"/>
-                            </p:stCondLst>
-                            <p:childTnLst>
-                              <p:par>
-                                <p:cTn id="19" presetID="42" presetClass="entr" presetSubtype="0" fill="hold" grpId="0" nodeType="clickEffect" nodePh="1">
-                                  <p:stCondLst>
-                                    <p:cond delay="0"/>
-                                  </p:stCondLst>
-                                  <p:endCondLst>
-                                    <p:cond evt="begin" delay="0">
-                                      <p:tn val="19"/>
-                                    </p:cond>
-                                  </p:endCondLst>
-                                  <p:childTnLst>
-                                    <p:set>
-                                      <p:cBhvr>
-                                        <p:cTn id="20" dur="1" fill="hold">
-                                          <p:stCondLst>
-                                            <p:cond delay="0"/>
-                                          </p:stCondLst>
-                                        </p:cTn>
-                                        <p:tgtEl>
-                                          <p:spTgt spid="8"/>
-                                        </p:tgtEl>
-                                        <p:attrNameLst>
-                                          <p:attrName>style.visibility</p:attrName>
-                                        </p:attrNameLst>
-                                      </p:cBhvr>
-                                      <p:to>
-                                        <p:strVal val="visible"/>
-                                      </p:to>
-                                    </p:set>
-                                    <p:animEffect transition="in" filter="fade">
-                                      <p:cBhvr>
-                                        <p:cTn id="21" dur="1000"/>
-                                        <p:tgtEl>
-                                          <p:spTgt spid="8"/>
-                                        </p:tgtEl>
-                                      </p:cBhvr>
-                                    </p:animEffect>
-                                    <p:anim calcmode="lin" valueType="num">
-                                      <p:cBhvr>
-                                        <p:cTn id="22" dur="1000" fill="hold"/>
-                                        <p:tgtEl>
-                                          <p:spTgt spid="8"/>
-                                        </p:tgtEl>
-                                        <p:attrNameLst>
-                                          <p:attrName>ppt_x</p:attrName>
-                                        </p:attrNameLst>
-                                      </p:cBhvr>
-                                      <p:tavLst>
-                                        <p:tav tm="0">
-                                          <p:val>
-                                            <p:strVal val="#ppt_x"/>
-                                          </p:val>
-                                        </p:tav>
-                                        <p:tav tm="100000">
-                                          <p:val>
-                                            <p:strVal val="#ppt_x"/>
-                                          </p:val>
-                                        </p:tav>
-                                      </p:tavLst>
-                                    </p:anim>
-                                    <p:anim calcmode="lin" valueType="num">
-                                      <p:cBhvr>
-                                        <p:cTn id="23" dur="1000" fill="hold"/>
-                                        <p:tgtEl>
-                                          <p:spTgt spid="8"/>
-                                        </p:tgtEl>
-                                        <p:attrNameLst>
-                                          <p:attrName>ppt_y</p:attrName>
-                                        </p:attrNameLst>
-                                      </p:cBhvr>
-                                      <p:tavLst>
-                                        <p:tav tm="0">
-                                          <p:val>
-                                            <p:strVal val="#ppt_y+.1"/>
-                                          </p:val>
-                                        </p:tav>
-                                        <p:tav tm="100000">
-                                          <p:val>
-                                            <p:strVal val="#ppt_y"/>
-                                          </p:val>
-                                        </p:tav>
-                                      </p:tavLst>
-                                    </p:anim>
-                                  </p:childTnLst>
-                                </p:cTn>
-                              </p:par>
-                            </p:childTnLst>
-                          </p:cTn>
-                        </p:par>
-                      </p:childTnLst>
-                    </p:cTn>
-                  </p:par>
-                  <p:par>
-                    <p:cTn id="24" fill="hold">
-                      <p:stCondLst>
-                        <p:cond delay="indefinite"/>
-                      </p:stCondLst>
-                      <p:childTnLst>
-                        <p:par>
-                          <p:cTn id="25" fill="hold">
-                            <p:stCondLst>
-                              <p:cond delay="0"/>
-                            </p:stCondLst>
-                            <p:childTnLst>
-                              <p:par>
-                                <p:cTn id="26" presetID="42" presetClass="entr" presetSubtype="0" fill="hold" grpId="0" nodeType="clickEffect">
-                                  <p:stCondLst>
-                                    <p:cond delay="0"/>
-                                  </p:stCondLst>
-                                  <p:childTnLst>
-                                    <p:set>
-                                      <p:cBhvr>
-                                        <p:cTn id="27" dur="1" fill="hold">
-                                          <p:stCondLst>
-                                            <p:cond delay="0"/>
-                                          </p:stCondLst>
-                                        </p:cTn>
-                                        <p:tgtEl>
-                                          <p:spTgt spid="10">
-                                            <p:txEl>
-                                              <p:pRg st="0" end="0"/>
-                                            </p:txEl>
-                                          </p:spTgt>
-                                        </p:tgtEl>
-                                        <p:attrNameLst>
-                                          <p:attrName>style.visibility</p:attrName>
-                                        </p:attrNameLst>
-                                      </p:cBhvr>
-                                      <p:to>
-                                        <p:strVal val="visible"/>
-                                      </p:to>
-                                    </p:set>
-                                    <p:animEffect transition="in" filter="fade">
-                                      <p:cBhvr>
-                                        <p:cTn id="28" dur="1000"/>
-                                        <p:tgtEl>
-                                          <p:spTgt spid="10">
-                                            <p:txEl>
-                                              <p:pRg st="0" end="0"/>
-                                            </p:txEl>
-                                          </p:spTgt>
-                                        </p:tgtEl>
-                                      </p:cBhvr>
-                                    </p:animEffect>
-                                    <p:anim calcmode="lin" valueType="num">
-                                      <p:cBhvr>
-                                        <p:cTn id="29" dur="1000" fill="hold"/>
-                                        <p:tgtEl>
-                                          <p:spTgt spid="10">
-                                            <p:txEl>
-                                              <p:pRg st="0" end="0"/>
-                                            </p:txEl>
-                                          </p:spTgt>
-                                        </p:tgtEl>
-                                        <p:attrNameLst>
-                                          <p:attrName>ppt_x</p:attrName>
-                                        </p:attrNameLst>
-                                      </p:cBhvr>
-                                      <p:tavLst>
-                                        <p:tav tm="0">
-                                          <p:val>
-                                            <p:strVal val="#ppt_x"/>
-                                          </p:val>
-                                        </p:tav>
-                                        <p:tav tm="100000">
-                                          <p:val>
-                                            <p:strVal val="#ppt_x"/>
-                                          </p:val>
-                                        </p:tav>
-                                      </p:tavLst>
-                                    </p:anim>
-                                    <p:anim calcmode="lin" valueType="num">
-                                      <p:cBhvr>
-                                        <p:cTn id="30" dur="1000" fill="hold"/>
-                                        <p:tgtEl>
-                                          <p:spTgt spid="10">
-                                            <p:txEl>
-                                              <p:pRg st="0" end="0"/>
-                                            </p:txEl>
-                                          </p:spTgt>
-                                        </p:tgtEl>
-                                        <p:attrNameLst>
-                                          <p:attrName>ppt_y</p:attrName>
-                                        </p:attrNameLst>
-                                      </p:cBhvr>
-                                      <p:tavLst>
-                                        <p:tav tm="0">
-                                          <p:val>
-                                            <p:strVal val="#ppt_y+.1"/>
-                                          </p:val>
-                                        </p:tav>
-                                        <p:tav tm="100000">
-                                          <p:val>
-                                            <p:strVal val="#ppt_y"/>
-                                          </p:val>
-                                        </p:tav>
-                                      </p:tavLst>
-                                    </p:anim>
-                                  </p:childTnLst>
-                                </p:cTn>
-                              </p:par>
-                            </p:childTnLst>
-                          </p:cTn>
-                        </p:par>
-                      </p:childTnLst>
-                    </p:cTn>
-                  </p:par>
                 </p:childTnLst>
               </p:cTn>
               <p:prevCondLst>
@@ -19687,8 +19203,6 @@
     <p:bldLst>
       <p:bldP spid="4" grpId="0"/>
       <p:bldP spid="7" grpId="0"/>
-      <p:bldP spid="8" grpId="0"/>
-      <p:bldP spid="10" grpId="0" build="p"/>
     </p:bldLst>
   </p:timing>
 </p:sld>
@@ -19702,7 +19216,7 @@
         <p:cNvPr id="1" name="">
           <a:extLst>
             <a:ext uri="{FF2B5EF4-FFF2-40B4-BE49-F238E27FC236}">
-              <a16:creationId xmlns:a16="http://schemas.microsoft.com/office/drawing/2014/main" xmlns="" id="{1B561F40-61F5-A9E4-2028-61D27EB38D0E}"/>
+              <a16:creationId xmlns="" xmlns:a16="http://schemas.microsoft.com/office/drawing/2014/main" id="{1B561F40-61F5-A9E4-2028-61D27EB38D0E}"/>
             </a:ext>
           </a:extLst>
         </p:cNvPr>
@@ -19722,7 +19236,7 @@
           <p:cNvPr id="5" name="Picture 4">
             <a:extLst>
               <a:ext uri="{FF2B5EF4-FFF2-40B4-BE49-F238E27FC236}">
-                <a16:creationId xmlns:a16="http://schemas.microsoft.com/office/drawing/2014/main" xmlns="" id="{490F1862-D4F3-D9EB-176E-2E2938531BAC}"/>
+                <a16:creationId xmlns="" xmlns:a16="http://schemas.microsoft.com/office/drawing/2014/main" id="{490F1862-D4F3-D9EB-176E-2E2938531BAC}"/>
               </a:ext>
             </a:extLst>
           </p:cNvPr>
@@ -19751,7 +19265,7 @@
           <p:cNvPr id="4" name="Title 3">
             <a:extLst>
               <a:ext uri="{FF2B5EF4-FFF2-40B4-BE49-F238E27FC236}">
-                <a16:creationId xmlns:a16="http://schemas.microsoft.com/office/drawing/2014/main" xmlns="" id="{723A3B93-82D2-A57B-4898-3D9B0C72DC7D}"/>
+                <a16:creationId xmlns="" xmlns:a16="http://schemas.microsoft.com/office/drawing/2014/main" id="{723A3B93-82D2-A57B-4898-3D9B0C72DC7D}"/>
               </a:ext>
             </a:extLst>
           </p:cNvPr>
@@ -19787,7 +19301,7 @@
           <p:cNvPr id="7" name="Text Placeholder 30">
             <a:extLst>
               <a:ext uri="{FF2B5EF4-FFF2-40B4-BE49-F238E27FC236}">
-                <a16:creationId xmlns:a16="http://schemas.microsoft.com/office/drawing/2014/main" xmlns="" id="{F4C0E530-3AAB-E420-2061-2352FB4AEFBB}"/>
+                <a16:creationId xmlns="" xmlns:a16="http://schemas.microsoft.com/office/drawing/2014/main" id="{F4C0E530-3AAB-E420-2061-2352FB4AEFBB}"/>
               </a:ext>
             </a:extLst>
           </p:cNvPr>
@@ -20043,7 +19557,7 @@
           <p:cNvPr id="8" name="Text Placeholder 30">
             <a:extLst>
               <a:ext uri="{FF2B5EF4-FFF2-40B4-BE49-F238E27FC236}">
-                <a16:creationId xmlns:a16="http://schemas.microsoft.com/office/drawing/2014/main" xmlns="" id="{83F5036B-907B-9AB7-BC47-C7C142E40FA7}"/>
+                <a16:creationId xmlns="" xmlns:a16="http://schemas.microsoft.com/office/drawing/2014/main" id="{83F5036B-907B-9AB7-BC47-C7C142E40FA7}"/>
               </a:ext>
             </a:extLst>
           </p:cNvPr>
@@ -20294,45 +19808,30 @@
           </a:p>
         </p:txBody>
       </p:sp>
-      <p:sp>
-        <p:nvSpPr>
-          <p:cNvPr id="10" name="Text Placeholder 1">
-            <a:extLst>
-              <a:ext uri="{FF2B5EF4-FFF2-40B4-BE49-F238E27FC236}">
-                <a16:creationId xmlns:a16="http://schemas.microsoft.com/office/drawing/2014/main" xmlns="" id="{91963C39-9433-02BA-5A2B-62380BFD21C5}"/>
-              </a:ext>
-            </a:extLst>
-          </p:cNvPr>
-          <p:cNvSpPr>
-            <a:spLocks noGrp="1"/>
-          </p:cNvSpPr>
-          <p:nvPr>
-            <p:ph type="body" sz="quarter" idx="12"/>
-          </p:nvPr>
-        </p:nvSpPr>
+      <p:pic>
+        <p:nvPicPr>
+          <p:cNvPr id="3" name="Picture 2"/>
+          <p:cNvPicPr>
+            <a:picLocks noChangeAspect="1"/>
+          </p:cNvPicPr>
+          <p:nvPr/>
+        </p:nvPicPr>
+        <p:blipFill>
+          <a:blip r:embed="rId3"/>
+          <a:stretch>
+            <a:fillRect/>
+          </a:stretch>
+        </p:blipFill>
         <p:spPr>
           <a:xfrm>
-            <a:off x="807164" y="1431693"/>
-            <a:ext cx="4275138" cy="477520"/>
+            <a:off x="675957" y="1057312"/>
+            <a:ext cx="7867700" cy="5607648"/>
           </a:xfrm>
+          <a:prstGeom prst="rect">
+            <a:avLst/>
+          </a:prstGeom>
         </p:spPr>
-        <p:txBody>
-          <a:bodyPr>
-            <a:normAutofit fontScale="77500" lnSpcReduction="20000"/>
-          </a:bodyPr>
-          <a:lstStyle/>
-          <a:p>
-            <a:pPr marL="0" indent="0">
-              <a:buNone/>
-            </a:pPr>
-            <a:r>
-              <a:rPr lang="en-US" dirty="0"/>
-              <a:t>[Add screen shots of your code or Chart(s) ]</a:t>
-            </a:r>
-            <a:endParaRPr lang="en-IN" dirty="0"/>
-          </a:p>
-        </p:txBody>
-      </p:sp>
+      </p:pic>
     </p:spTree>
     <p:extLst>
       <p:ext uri="{BB962C8B-B14F-4D97-AF65-F5344CB8AC3E}">
@@ -20658,121 +20157,6 @@
                       </p:childTnLst>
                     </p:cTn>
                   </p:par>
-                  <p:par>
-                    <p:cTn id="24" fill="hold">
-                      <p:stCondLst>
-                        <p:cond delay="indefinite"/>
-                      </p:stCondLst>
-                      <p:childTnLst>
-                        <p:par>
-                          <p:cTn id="25" fill="hold">
-                            <p:stCondLst>
-                              <p:cond delay="0"/>
-                            </p:stCondLst>
-                            <p:childTnLst>
-                              <p:par>
-                                <p:cTn id="26" presetID="42" presetClass="entr" presetSubtype="0" fill="hold" grpId="0" nodeType="clickEffect">
-                                  <p:stCondLst>
-                                    <p:cond delay="0"/>
-                                  </p:stCondLst>
-                                  <p:childTnLst>
-                                    <p:set>
-                                      <p:cBhvr>
-                                        <p:cTn id="27" dur="1" fill="hold">
-                                          <p:stCondLst>
-                                            <p:cond delay="0"/>
-                                          </p:stCondLst>
-                                        </p:cTn>
-                                        <p:tgtEl>
-                                          <p:spTgt spid="10">
-                                            <p:txEl>
-                                              <p:pRg st="0" end="0"/>
-                                            </p:txEl>
-                                          </p:spTgt>
-                                        </p:tgtEl>
-                                        <p:attrNameLst>
-                                          <p:attrName>style.visibility</p:attrName>
-                                        </p:attrNameLst>
-                                      </p:cBhvr>
-                                      <p:to>
-                                        <p:strVal val="visible"/>
-                                      </p:to>
-                                    </p:set>
-                                    <p:animEffect transition="in" filter="fade">
-                                      <p:cBhvr>
-                                        <p:cTn id="28" dur="1000"/>
-                                        <p:tgtEl>
-                                          <p:spTgt spid="10">
-                                            <p:txEl>
-                                              <p:pRg st="0" end="0"/>
-                                            </p:txEl>
-                                          </p:spTgt>
-                                        </p:tgtEl>
-                                      </p:cBhvr>
-                                    </p:animEffect>
-                                    <p:anim calcmode="lin" valueType="num">
-                                      <p:cBhvr>
-                                        <p:cTn id="29" dur="1000" fill="hold"/>
-                                        <p:tgtEl>
-                                          <p:spTgt spid="10">
-                                            <p:txEl>
-                                              <p:pRg st="0" end="0"/>
-                                            </p:txEl>
-                                          </p:spTgt>
-                                        </p:tgtEl>
-                                        <p:attrNameLst>
-                                          <p:attrName>ppt_x</p:attrName>
-                                        </p:attrNameLst>
-                                      </p:cBhvr>
-                                      <p:tavLst>
-                                        <p:tav tm="0">
-                                          <p:val>
-                                            <p:strVal val="#ppt_x"/>
-                                          </p:val>
-                                        </p:tav>
-                                        <p:tav tm="100000">
-                                          <p:val>
-                                            <p:strVal val="#ppt_x"/>
-                                          </p:val>
-                                        </p:tav>
-                                      </p:tavLst>
-                                    </p:anim>
-                                    <p:anim calcmode="lin" valueType="num">
-                                      <p:cBhvr>
-                                        <p:cTn id="30" dur="1000" fill="hold"/>
-                                        <p:tgtEl>
-                                          <p:spTgt spid="10">
-                                            <p:txEl>
-                                              <p:pRg st="0" end="0"/>
-                                            </p:txEl>
-                                          </p:spTgt>
-                                        </p:tgtEl>
-                                        <p:attrNameLst>
-                                          <p:attrName>ppt_y</p:attrName>
-                                        </p:attrNameLst>
-                                      </p:cBhvr>
-                                      <p:tavLst>
-                                        <p:tav tm="0">
-                                          <p:val>
-                                            <p:strVal val="#ppt_y+.1"/>
-                                          </p:val>
-                                        </p:tav>
-                                        <p:tav tm="100000">
-                                          <p:val>
-                                            <p:strVal val="#ppt_y"/>
-                                          </p:val>
-                                        </p:tav>
-                                      </p:tavLst>
-                                    </p:anim>
-                                  </p:childTnLst>
-                                </p:cTn>
-                              </p:par>
-                            </p:childTnLst>
-                          </p:cTn>
-                        </p:par>
-                      </p:childTnLst>
-                    </p:cTn>
-                  </p:par>
                 </p:childTnLst>
               </p:cTn>
               <p:prevCondLst>
@@ -20798,7 +20182,6 @@
       <p:bldP spid="4" grpId="0"/>
       <p:bldP spid="7" grpId="0"/>
       <p:bldP spid="8" grpId="0"/>
-      <p:bldP spid="10" grpId="0" build="p"/>
     </p:bldLst>
   </p:timing>
 </p:sld>
@@ -20812,7 +20195,7 @@
         <p:cNvPr id="1" name="">
           <a:extLst>
             <a:ext uri="{FF2B5EF4-FFF2-40B4-BE49-F238E27FC236}">
-              <a16:creationId xmlns:a16="http://schemas.microsoft.com/office/drawing/2014/main" xmlns="" id="{387024A6-C6F7-0E13-B5FE-E6A5870DA15B}"/>
+              <a16:creationId xmlns="" xmlns:a16="http://schemas.microsoft.com/office/drawing/2014/main" id="{387024A6-C6F7-0E13-B5FE-E6A5870DA15B}"/>
             </a:ext>
           </a:extLst>
         </p:cNvPr>
@@ -20832,7 +20215,7 @@
           <p:cNvPr id="5" name="Picture 4">
             <a:extLst>
               <a:ext uri="{FF2B5EF4-FFF2-40B4-BE49-F238E27FC236}">
-                <a16:creationId xmlns:a16="http://schemas.microsoft.com/office/drawing/2014/main" xmlns="" id="{B76194CC-45AC-6391-C127-232D7FE17E83}"/>
+                <a16:creationId xmlns="" xmlns:a16="http://schemas.microsoft.com/office/drawing/2014/main" id="{B76194CC-45AC-6391-C127-232D7FE17E83}"/>
               </a:ext>
             </a:extLst>
           </p:cNvPr>
@@ -20861,7 +20244,7 @@
           <p:cNvPr id="4" name="Title 3">
             <a:extLst>
               <a:ext uri="{FF2B5EF4-FFF2-40B4-BE49-F238E27FC236}">
-                <a16:creationId xmlns:a16="http://schemas.microsoft.com/office/drawing/2014/main" xmlns="" id="{D2560D1A-A584-25F8-1F57-468796F22888}"/>
+                <a16:creationId xmlns="" xmlns:a16="http://schemas.microsoft.com/office/drawing/2014/main" id="{D2560D1A-A584-25F8-1F57-468796F22888}"/>
               </a:ext>
             </a:extLst>
           </p:cNvPr>
@@ -20897,7 +20280,7 @@
           <p:cNvPr id="7" name="Text Placeholder 30">
             <a:extLst>
               <a:ext uri="{FF2B5EF4-FFF2-40B4-BE49-F238E27FC236}">
-                <a16:creationId xmlns:a16="http://schemas.microsoft.com/office/drawing/2014/main" xmlns="" id="{BBD379B3-43F5-BB42-D7EF-5C1FA28E50DF}"/>
+                <a16:creationId xmlns="" xmlns:a16="http://schemas.microsoft.com/office/drawing/2014/main" id="{BBD379B3-43F5-BB42-D7EF-5C1FA28E50DF}"/>
               </a:ext>
             </a:extLst>
           </p:cNvPr>
@@ -21148,301 +20531,36 @@
           </a:p>
         </p:txBody>
       </p:sp>
-      <p:sp>
-        <p:nvSpPr>
-          <p:cNvPr id="8" name="Text Placeholder 30">
+      <p:pic>
+        <p:nvPicPr>
+          <p:cNvPr id="3" name="Picture 2"/>
+          <p:cNvPicPr>
+            <a:picLocks noChangeAspect="1"/>
+          </p:cNvPicPr>
+          <p:nvPr/>
+        </p:nvPicPr>
+        <p:blipFill>
+          <a:blip r:embed="rId3">
             <a:extLst>
-              <a:ext uri="{FF2B5EF4-FFF2-40B4-BE49-F238E27FC236}">
-                <a16:creationId xmlns:a16="http://schemas.microsoft.com/office/drawing/2014/main" xmlns="" id="{1E0D8247-EFB8-6C04-BBBF-310CEEF88E4A}"/>
+              <a:ext uri="{28A0092B-C50C-407E-A947-70E740481C1C}">
+                <a14:useLocalDpi xmlns:a14="http://schemas.microsoft.com/office/drawing/2010/main" val="0"/>
               </a:ext>
             </a:extLst>
-          </p:cNvPr>
-          <p:cNvSpPr txBox="1">
-            <a:spLocks/>
-          </p:cNvSpPr>
-          <p:nvPr/>
-        </p:nvSpPr>
+          </a:blip>
+          <a:stretch>
+            <a:fillRect/>
+          </a:stretch>
+        </p:blipFill>
         <p:spPr>
           <a:xfrm>
-            <a:off x="4345694" y="1275371"/>
-            <a:ext cx="3343561" cy="666078"/>
+            <a:off x="897642" y="1787879"/>
+            <a:ext cx="5533802" cy="3944178"/>
           </a:xfrm>
           <a:prstGeom prst="rect">
             <a:avLst/>
           </a:prstGeom>
         </p:spPr>
-        <p:txBody>
-          <a:bodyPr vert="horz" lIns="91440" tIns="45720" rIns="91440" bIns="45720" rtlCol="0">
-            <a:normAutofit/>
-          </a:bodyPr>
-          <a:lstStyle>
-            <a:lvl1pPr marL="0" indent="0" algn="ctr" defTabSz="457200" rtl="0" eaLnBrk="1" latinLnBrk="0" hangingPunct="1">
-              <a:spcBef>
-                <a:spcPts val="1000"/>
-              </a:spcBef>
-              <a:spcAft>
-                <a:spcPts val="0"/>
-              </a:spcAft>
-              <a:buClr>
-                <a:schemeClr val="accent1"/>
-              </a:buClr>
-              <a:buSzPct val="80000"/>
-              <a:buFont typeface="Wingdings 3" charset="2"/>
-              <a:buNone/>
-              <a:defRPr lang="en-US" sz="1600" kern="1200" dirty="0" smtClean="0">
-                <a:solidFill>
-                  <a:schemeClr val="tx1"/>
-                </a:solidFill>
-                <a:latin typeface="+mn-lt"/>
-                <a:ea typeface="+mn-ea"/>
-                <a:cs typeface="+mn-cs"/>
-              </a:defRPr>
-            </a:lvl1pPr>
-            <a:lvl2pPr marL="742950" indent="-285750" algn="l" defTabSz="457200" rtl="0" eaLnBrk="1" latinLnBrk="0" hangingPunct="1">
-              <a:spcBef>
-                <a:spcPts val="1000"/>
-              </a:spcBef>
-              <a:spcAft>
-                <a:spcPts val="0"/>
-              </a:spcAft>
-              <a:buClr>
-                <a:schemeClr val="accent1"/>
-              </a:buClr>
-              <a:buSzPct val="80000"/>
-              <a:buFont typeface="Wingdings 3" charset="2"/>
-              <a:buChar char=""/>
-              <a:defRPr sz="1600" kern="1200">
-                <a:solidFill>
-                  <a:schemeClr val="tx1">
-                    <a:lumMod val="75000"/>
-                    <a:lumOff val="25000"/>
-                  </a:schemeClr>
-                </a:solidFill>
-                <a:latin typeface="+mn-lt"/>
-                <a:ea typeface="+mn-ea"/>
-                <a:cs typeface="+mn-cs"/>
-              </a:defRPr>
-            </a:lvl2pPr>
-            <a:lvl3pPr marL="1143000" indent="-228600" algn="l" defTabSz="457200" rtl="0" eaLnBrk="1" latinLnBrk="0" hangingPunct="1">
-              <a:spcBef>
-                <a:spcPts val="1000"/>
-              </a:spcBef>
-              <a:spcAft>
-                <a:spcPts val="0"/>
-              </a:spcAft>
-              <a:buClr>
-                <a:schemeClr val="accent1"/>
-              </a:buClr>
-              <a:buSzPct val="80000"/>
-              <a:buFont typeface="Wingdings 3" charset="2"/>
-              <a:buChar char=""/>
-              <a:defRPr sz="1400" kern="1200">
-                <a:solidFill>
-                  <a:schemeClr val="tx1">
-                    <a:lumMod val="75000"/>
-                    <a:lumOff val="25000"/>
-                  </a:schemeClr>
-                </a:solidFill>
-                <a:latin typeface="+mn-lt"/>
-                <a:ea typeface="+mn-ea"/>
-                <a:cs typeface="+mn-cs"/>
-              </a:defRPr>
-            </a:lvl3pPr>
-            <a:lvl4pPr marL="1600200" indent="-228600" algn="l" defTabSz="457200" rtl="0" eaLnBrk="1" latinLnBrk="0" hangingPunct="1">
-              <a:spcBef>
-                <a:spcPts val="1000"/>
-              </a:spcBef>
-              <a:spcAft>
-                <a:spcPts val="0"/>
-              </a:spcAft>
-              <a:buClr>
-                <a:schemeClr val="accent1"/>
-              </a:buClr>
-              <a:buSzPct val="80000"/>
-              <a:buFont typeface="Wingdings 3" charset="2"/>
-              <a:buChar char=""/>
-              <a:defRPr sz="1200" kern="1200">
-                <a:solidFill>
-                  <a:schemeClr val="tx1">
-                    <a:lumMod val="75000"/>
-                    <a:lumOff val="25000"/>
-                  </a:schemeClr>
-                </a:solidFill>
-                <a:latin typeface="+mn-lt"/>
-                <a:ea typeface="+mn-ea"/>
-                <a:cs typeface="+mn-cs"/>
-              </a:defRPr>
-            </a:lvl4pPr>
-            <a:lvl5pPr marL="2057400" indent="-228600" algn="l" defTabSz="457200" rtl="0" eaLnBrk="1" latinLnBrk="0" hangingPunct="1">
-              <a:spcBef>
-                <a:spcPts val="1000"/>
-              </a:spcBef>
-              <a:spcAft>
-                <a:spcPts val="0"/>
-              </a:spcAft>
-              <a:buClr>
-                <a:schemeClr val="accent1"/>
-              </a:buClr>
-              <a:buSzPct val="80000"/>
-              <a:buFont typeface="Wingdings 3" charset="2"/>
-              <a:buChar char=""/>
-              <a:defRPr sz="1200" kern="1200">
-                <a:solidFill>
-                  <a:schemeClr val="tx1">
-                    <a:lumMod val="75000"/>
-                    <a:lumOff val="25000"/>
-                  </a:schemeClr>
-                </a:solidFill>
-                <a:latin typeface="+mn-lt"/>
-                <a:ea typeface="+mn-ea"/>
-                <a:cs typeface="+mn-cs"/>
-              </a:defRPr>
-            </a:lvl5pPr>
-            <a:lvl6pPr marL="2514600" indent="-228600" algn="l" defTabSz="457200" rtl="0" eaLnBrk="1" latinLnBrk="0" hangingPunct="1">
-              <a:spcBef>
-                <a:spcPts val="1000"/>
-              </a:spcBef>
-              <a:spcAft>
-                <a:spcPts val="0"/>
-              </a:spcAft>
-              <a:buClr>
-                <a:schemeClr val="accent1"/>
-              </a:buClr>
-              <a:buSzPct val="80000"/>
-              <a:buFont typeface="Wingdings 3" charset="2"/>
-              <a:buChar char=""/>
-              <a:defRPr sz="1200" kern="1200">
-                <a:solidFill>
-                  <a:schemeClr val="tx1">
-                    <a:lumMod val="75000"/>
-                    <a:lumOff val="25000"/>
-                  </a:schemeClr>
-                </a:solidFill>
-                <a:latin typeface="+mn-lt"/>
-                <a:ea typeface="+mn-ea"/>
-                <a:cs typeface="+mn-cs"/>
-              </a:defRPr>
-            </a:lvl6pPr>
-            <a:lvl7pPr marL="2971800" indent="-228600" algn="l" defTabSz="457200" rtl="0" eaLnBrk="1" latinLnBrk="0" hangingPunct="1">
-              <a:spcBef>
-                <a:spcPts val="1000"/>
-              </a:spcBef>
-              <a:spcAft>
-                <a:spcPts val="0"/>
-              </a:spcAft>
-              <a:buClr>
-                <a:schemeClr val="accent1"/>
-              </a:buClr>
-              <a:buSzPct val="80000"/>
-              <a:buFont typeface="Wingdings 3" charset="2"/>
-              <a:buChar char=""/>
-              <a:defRPr sz="1200" kern="1200">
-                <a:solidFill>
-                  <a:schemeClr val="tx1">
-                    <a:lumMod val="75000"/>
-                    <a:lumOff val="25000"/>
-                  </a:schemeClr>
-                </a:solidFill>
-                <a:latin typeface="+mn-lt"/>
-                <a:ea typeface="+mn-ea"/>
-                <a:cs typeface="+mn-cs"/>
-              </a:defRPr>
-            </a:lvl7pPr>
-            <a:lvl8pPr marL="3429000" indent="-228600" algn="l" defTabSz="457200" rtl="0" eaLnBrk="1" latinLnBrk="0" hangingPunct="1">
-              <a:spcBef>
-                <a:spcPts val="1000"/>
-              </a:spcBef>
-              <a:spcAft>
-                <a:spcPts val="0"/>
-              </a:spcAft>
-              <a:buClr>
-                <a:schemeClr val="accent1"/>
-              </a:buClr>
-              <a:buSzPct val="80000"/>
-              <a:buFont typeface="Wingdings 3" charset="2"/>
-              <a:buChar char=""/>
-              <a:defRPr sz="1200" kern="1200">
-                <a:solidFill>
-                  <a:schemeClr val="tx1">
-                    <a:lumMod val="75000"/>
-                    <a:lumOff val="25000"/>
-                  </a:schemeClr>
-                </a:solidFill>
-                <a:latin typeface="+mn-lt"/>
-                <a:ea typeface="+mn-ea"/>
-                <a:cs typeface="+mn-cs"/>
-              </a:defRPr>
-            </a:lvl8pPr>
-            <a:lvl9pPr marL="3886200" indent="-228600" algn="l" defTabSz="457200" rtl="0" eaLnBrk="1" latinLnBrk="0" hangingPunct="1">
-              <a:spcBef>
-                <a:spcPts val="1000"/>
-              </a:spcBef>
-              <a:spcAft>
-                <a:spcPts val="0"/>
-              </a:spcAft>
-              <a:buClr>
-                <a:schemeClr val="accent1"/>
-              </a:buClr>
-              <a:buSzPct val="80000"/>
-              <a:buFont typeface="Wingdings 3" charset="2"/>
-              <a:buChar char=""/>
-              <a:defRPr sz="1200" kern="1200">
-                <a:solidFill>
-                  <a:schemeClr val="tx1">
-                    <a:lumMod val="75000"/>
-                    <a:lumOff val="25000"/>
-                  </a:schemeClr>
-                </a:solidFill>
-                <a:latin typeface="+mn-lt"/>
-                <a:ea typeface="+mn-ea"/>
-                <a:cs typeface="+mn-cs"/>
-              </a:defRPr>
-            </a:lvl9pPr>
-          </a:lstStyle>
-          <a:p>
-            <a:endParaRPr lang="en-GB" sz="2000" dirty="0"/>
-          </a:p>
-        </p:txBody>
-      </p:sp>
-      <p:sp>
-        <p:nvSpPr>
-          <p:cNvPr id="10" name="Text Placeholder 1">
-            <a:extLst>
-              <a:ext uri="{FF2B5EF4-FFF2-40B4-BE49-F238E27FC236}">
-                <a16:creationId xmlns:a16="http://schemas.microsoft.com/office/drawing/2014/main" xmlns="" id="{F6B14C4F-1746-A8AB-D262-5A993160F568}"/>
-              </a:ext>
-            </a:extLst>
-          </p:cNvPr>
-          <p:cNvSpPr>
-            <a:spLocks noGrp="1"/>
-          </p:cNvSpPr>
-          <p:nvPr>
-            <p:ph type="body" sz="quarter" idx="12"/>
-          </p:nvPr>
-        </p:nvSpPr>
-        <p:spPr>
-          <a:xfrm>
-            <a:off x="807164" y="1431693"/>
-            <a:ext cx="4275138" cy="477520"/>
-          </a:xfrm>
-        </p:spPr>
-        <p:txBody>
-          <a:bodyPr>
-            <a:normAutofit fontScale="77500" lnSpcReduction="20000"/>
-          </a:bodyPr>
-          <a:lstStyle/>
-          <a:p>
-            <a:pPr marL="0" indent="0">
-              <a:buNone/>
-            </a:pPr>
-            <a:r>
-              <a:rPr lang="en-US" dirty="0"/>
-              <a:t>[Add screen shots of your code or Chart(s) ]</a:t>
-            </a:r>
-            <a:endParaRPr lang="en-IN" dirty="0"/>
-          </a:p>
-        </p:txBody>
-      </p:sp>
+      </p:pic>
     </p:spTree>
     <p:extLst>
       <p:ext uri="{BB962C8B-B14F-4D97-AF65-F5344CB8AC3E}">
@@ -21664,225 +20782,6 @@
                       </p:childTnLst>
                     </p:cTn>
                   </p:par>
-                  <p:par>
-                    <p:cTn id="17" fill="hold">
-                      <p:stCondLst>
-                        <p:cond delay="indefinite"/>
-                      </p:stCondLst>
-                      <p:childTnLst>
-                        <p:par>
-                          <p:cTn id="18" fill="hold">
-                            <p:stCondLst>
-                              <p:cond delay="0"/>
-                            </p:stCondLst>
-                            <p:childTnLst>
-                              <p:par>
-                                <p:cTn id="19" presetID="42" presetClass="entr" presetSubtype="0" fill="hold" grpId="0" nodeType="clickEffect" nodePh="1">
-                                  <p:stCondLst>
-                                    <p:cond delay="0"/>
-                                  </p:stCondLst>
-                                  <p:endCondLst>
-                                    <p:cond evt="begin" delay="0">
-                                      <p:tn val="19"/>
-                                    </p:cond>
-                                  </p:endCondLst>
-                                  <p:childTnLst>
-                                    <p:set>
-                                      <p:cBhvr>
-                                        <p:cTn id="20" dur="1" fill="hold">
-                                          <p:stCondLst>
-                                            <p:cond delay="0"/>
-                                          </p:stCondLst>
-                                        </p:cTn>
-                                        <p:tgtEl>
-                                          <p:spTgt spid="8"/>
-                                        </p:tgtEl>
-                                        <p:attrNameLst>
-                                          <p:attrName>style.visibility</p:attrName>
-                                        </p:attrNameLst>
-                                      </p:cBhvr>
-                                      <p:to>
-                                        <p:strVal val="visible"/>
-                                      </p:to>
-                                    </p:set>
-                                    <p:animEffect transition="in" filter="fade">
-                                      <p:cBhvr>
-                                        <p:cTn id="21" dur="1000"/>
-                                        <p:tgtEl>
-                                          <p:spTgt spid="8"/>
-                                        </p:tgtEl>
-                                      </p:cBhvr>
-                                    </p:animEffect>
-                                    <p:anim calcmode="lin" valueType="num">
-                                      <p:cBhvr>
-                                        <p:cTn id="22" dur="1000" fill="hold"/>
-                                        <p:tgtEl>
-                                          <p:spTgt spid="8"/>
-                                        </p:tgtEl>
-                                        <p:attrNameLst>
-                                          <p:attrName>ppt_x</p:attrName>
-                                        </p:attrNameLst>
-                                      </p:cBhvr>
-                                      <p:tavLst>
-                                        <p:tav tm="0">
-                                          <p:val>
-                                            <p:strVal val="#ppt_x"/>
-                                          </p:val>
-                                        </p:tav>
-                                        <p:tav tm="100000">
-                                          <p:val>
-                                            <p:strVal val="#ppt_x"/>
-                                          </p:val>
-                                        </p:tav>
-                                      </p:tavLst>
-                                    </p:anim>
-                                    <p:anim calcmode="lin" valueType="num">
-                                      <p:cBhvr>
-                                        <p:cTn id="23" dur="1000" fill="hold"/>
-                                        <p:tgtEl>
-                                          <p:spTgt spid="8"/>
-                                        </p:tgtEl>
-                                        <p:attrNameLst>
-                                          <p:attrName>ppt_y</p:attrName>
-                                        </p:attrNameLst>
-                                      </p:cBhvr>
-                                      <p:tavLst>
-                                        <p:tav tm="0">
-                                          <p:val>
-                                            <p:strVal val="#ppt_y+.1"/>
-                                          </p:val>
-                                        </p:tav>
-                                        <p:tav tm="100000">
-                                          <p:val>
-                                            <p:strVal val="#ppt_y"/>
-                                          </p:val>
-                                        </p:tav>
-                                      </p:tavLst>
-                                    </p:anim>
-                                  </p:childTnLst>
-                                </p:cTn>
-                              </p:par>
-                            </p:childTnLst>
-                          </p:cTn>
-                        </p:par>
-                      </p:childTnLst>
-                    </p:cTn>
-                  </p:par>
-                  <p:par>
-                    <p:cTn id="24" fill="hold">
-                      <p:stCondLst>
-                        <p:cond delay="indefinite"/>
-                      </p:stCondLst>
-                      <p:childTnLst>
-                        <p:par>
-                          <p:cTn id="25" fill="hold">
-                            <p:stCondLst>
-                              <p:cond delay="0"/>
-                            </p:stCondLst>
-                            <p:childTnLst>
-                              <p:par>
-                                <p:cTn id="26" presetID="42" presetClass="entr" presetSubtype="0" fill="hold" grpId="0" nodeType="clickEffect">
-                                  <p:stCondLst>
-                                    <p:cond delay="0"/>
-                                  </p:stCondLst>
-                                  <p:childTnLst>
-                                    <p:set>
-                                      <p:cBhvr>
-                                        <p:cTn id="27" dur="1" fill="hold">
-                                          <p:stCondLst>
-                                            <p:cond delay="0"/>
-                                          </p:stCondLst>
-                                        </p:cTn>
-                                        <p:tgtEl>
-                                          <p:spTgt spid="10">
-                                            <p:txEl>
-                                              <p:pRg st="0" end="0"/>
-                                            </p:txEl>
-                                          </p:spTgt>
-                                        </p:tgtEl>
-                                        <p:attrNameLst>
-                                          <p:attrName>style.visibility</p:attrName>
-                                        </p:attrNameLst>
-                                      </p:cBhvr>
-                                      <p:to>
-                                        <p:strVal val="visible"/>
-                                      </p:to>
-                                    </p:set>
-                                    <p:animEffect transition="in" filter="fade">
-                                      <p:cBhvr>
-                                        <p:cTn id="28" dur="1000"/>
-                                        <p:tgtEl>
-                                          <p:spTgt spid="10">
-                                            <p:txEl>
-                                              <p:pRg st="0" end="0"/>
-                                            </p:txEl>
-                                          </p:spTgt>
-                                        </p:tgtEl>
-                                      </p:cBhvr>
-                                    </p:animEffect>
-                                    <p:anim calcmode="lin" valueType="num">
-                                      <p:cBhvr>
-                                        <p:cTn id="29" dur="1000" fill="hold"/>
-                                        <p:tgtEl>
-                                          <p:spTgt spid="10">
-                                            <p:txEl>
-                                              <p:pRg st="0" end="0"/>
-                                            </p:txEl>
-                                          </p:spTgt>
-                                        </p:tgtEl>
-                                        <p:attrNameLst>
-                                          <p:attrName>ppt_x</p:attrName>
-                                        </p:attrNameLst>
-                                      </p:cBhvr>
-                                      <p:tavLst>
-                                        <p:tav tm="0">
-                                          <p:val>
-                                            <p:strVal val="#ppt_x"/>
-                                          </p:val>
-                                        </p:tav>
-                                        <p:tav tm="100000">
-                                          <p:val>
-                                            <p:strVal val="#ppt_x"/>
-                                          </p:val>
-                                        </p:tav>
-                                      </p:tavLst>
-                                    </p:anim>
-                                    <p:anim calcmode="lin" valueType="num">
-                                      <p:cBhvr>
-                                        <p:cTn id="30" dur="1000" fill="hold"/>
-                                        <p:tgtEl>
-                                          <p:spTgt spid="10">
-                                            <p:txEl>
-                                              <p:pRg st="0" end="0"/>
-                                            </p:txEl>
-                                          </p:spTgt>
-                                        </p:tgtEl>
-                                        <p:attrNameLst>
-                                          <p:attrName>ppt_y</p:attrName>
-                                        </p:attrNameLst>
-                                      </p:cBhvr>
-                                      <p:tavLst>
-                                        <p:tav tm="0">
-                                          <p:val>
-                                            <p:strVal val="#ppt_y+.1"/>
-                                          </p:val>
-                                        </p:tav>
-                                        <p:tav tm="100000">
-                                          <p:val>
-                                            <p:strVal val="#ppt_y"/>
-                                          </p:val>
-                                        </p:tav>
-                                      </p:tavLst>
-                                    </p:anim>
-                                  </p:childTnLst>
-                                </p:cTn>
-                              </p:par>
-                            </p:childTnLst>
-                          </p:cTn>
-                        </p:par>
-                      </p:childTnLst>
-                    </p:cTn>
-                  </p:par>
                 </p:childTnLst>
               </p:cTn>
               <p:prevCondLst>
@@ -21907,8 +20806,6 @@
     <p:bldLst>
       <p:bldP spid="4" grpId="0"/>
       <p:bldP spid="7" grpId="0"/>
-      <p:bldP spid="8" grpId="0"/>
-      <p:bldP spid="10" grpId="0" build="p"/>
     </p:bldLst>
   </p:timing>
 </p:sld>
@@ -21922,7 +20819,7 @@
         <p:cNvPr id="1" name="">
           <a:extLst>
             <a:ext uri="{FF2B5EF4-FFF2-40B4-BE49-F238E27FC236}">
-              <a16:creationId xmlns:a16="http://schemas.microsoft.com/office/drawing/2014/main" xmlns="" id="{71D302F3-5B15-F4B3-4FC0-05D49317B44C}"/>
+              <a16:creationId xmlns="" xmlns:a16="http://schemas.microsoft.com/office/drawing/2014/main" id="{71D302F3-5B15-F4B3-4FC0-05D49317B44C}"/>
             </a:ext>
           </a:extLst>
         </p:cNvPr>
@@ -21942,7 +20839,7 @@
           <p:cNvPr id="5" name="Picture 4">
             <a:extLst>
               <a:ext uri="{FF2B5EF4-FFF2-40B4-BE49-F238E27FC236}">
-                <a16:creationId xmlns:a16="http://schemas.microsoft.com/office/drawing/2014/main" xmlns="" id="{95314807-9A27-116F-CC98-E5EEF28F0800}"/>
+                <a16:creationId xmlns="" xmlns:a16="http://schemas.microsoft.com/office/drawing/2014/main" id="{95314807-9A27-116F-CC98-E5EEF28F0800}"/>
               </a:ext>
             </a:extLst>
           </p:cNvPr>
@@ -21971,7 +20868,7 @@
           <p:cNvPr id="4" name="Title 3">
             <a:extLst>
               <a:ext uri="{FF2B5EF4-FFF2-40B4-BE49-F238E27FC236}">
-                <a16:creationId xmlns:a16="http://schemas.microsoft.com/office/drawing/2014/main" xmlns="" id="{BA0845DA-C188-DB03-7162-C74DB64A3678}"/>
+                <a16:creationId xmlns="" xmlns:a16="http://schemas.microsoft.com/office/drawing/2014/main" id="{BA0845DA-C188-DB03-7162-C74DB64A3678}"/>
               </a:ext>
             </a:extLst>
           </p:cNvPr>
@@ -22006,7 +20903,7 @@
           <p:cNvPr id="7" name="Text Placeholder 30">
             <a:extLst>
               <a:ext uri="{FF2B5EF4-FFF2-40B4-BE49-F238E27FC236}">
-                <a16:creationId xmlns:a16="http://schemas.microsoft.com/office/drawing/2014/main" xmlns="" id="{9B11EDF8-3FD7-C9FE-2AA8-09208B3BEFC2}"/>
+                <a16:creationId xmlns="" xmlns:a16="http://schemas.microsoft.com/office/drawing/2014/main" id="{9B11EDF8-3FD7-C9FE-2AA8-09208B3BEFC2}"/>
               </a:ext>
             </a:extLst>
           </p:cNvPr>
@@ -22262,7 +21159,7 @@
           <p:cNvPr id="10" name="Text Placeholder 1">
             <a:extLst>
               <a:ext uri="{FF2B5EF4-FFF2-40B4-BE49-F238E27FC236}">
-                <a16:creationId xmlns:a16="http://schemas.microsoft.com/office/drawing/2014/main" xmlns="" id="{8935B953-0B74-DF35-9464-45E8CB01D89D}"/>
+                <a16:creationId xmlns="" xmlns:a16="http://schemas.microsoft.com/office/drawing/2014/main" id="{8935B953-0B74-DF35-9464-45E8CB01D89D}"/>
               </a:ext>
             </a:extLst>
           </p:cNvPr>
@@ -22275,8 +21172,8 @@
         </p:nvSpPr>
         <p:spPr>
           <a:xfrm>
-            <a:off x="807164" y="1406106"/>
-            <a:ext cx="5984161" cy="2579557"/>
+            <a:off x="406570" y="2285672"/>
+            <a:ext cx="10827487" cy="413985"/>
           </a:xfrm>
         </p:spPr>
         <p:txBody>
@@ -22289,48 +21186,18 @@
               <a:buNone/>
             </a:pPr>
             <a:r>
-              <a:rPr lang="en-US" dirty="0"/>
-              <a:t>[Add the working </a:t>
+              <a:rPr lang="en-US" dirty="0">
+                <a:hlinkClick r:id="rId3"/>
+              </a:rPr>
+              <a:t>https://github.com/Dev-Chitrang/VOIS_AICTE_Oct2025_MajorProject_ChitrangPotdar</a:t>
             </a:r>
             <a:r>
-              <a:rPr lang="en-US" dirty="0" err="1"/>
-              <a:t>url</a:t>
+              <a:rPr lang="en-US" dirty="0">
+                <a:hlinkClick r:id="rId3"/>
+              </a:rPr>
+              <a:t>  </a:t>
             </a:r>
-            <a:r>
-              <a:rPr lang="en-US" dirty="0"/>
-              <a:t> of your </a:t>
-            </a:r>
-            <a:r>
-              <a:rPr lang="en-US" dirty="0" err="1"/>
-              <a:t>github</a:t>
-            </a:r>
-            <a:r>
-              <a:rPr lang="en-US" dirty="0"/>
-              <a:t> repository ]  </a:t>
-            </a:r>
-          </a:p>
-          <a:p>
-            <a:pPr marL="0" indent="0">
-              <a:buNone/>
-            </a:pPr>
             <a:endParaRPr lang="en-US" dirty="0"/>
-          </a:p>
-          <a:p>
-            <a:pPr marL="0" indent="0">
-              <a:buNone/>
-            </a:pPr>
-            <a:r>
-              <a:rPr lang="en-US" dirty="0"/>
-              <a:t>Create </a:t>
-            </a:r>
-            <a:r>
-              <a:rPr lang="en-US" dirty="0" err="1"/>
-              <a:t>github</a:t>
-            </a:r>
-            <a:r>
-              <a:rPr lang="en-US" dirty="0"/>
-              <a:t> repository with format VOIS_AICTE_Oct2025_MajorProject_YourName  </a:t>
-            </a:r>
           </a:p>
         </p:txBody>
       </p:sp>
@@ -22641,121 +21508,6 @@
                                           <p:spTgt spid="10">
                                             <p:txEl>
                                               <p:pRg st="0" end="0"/>
-                                            </p:txEl>
-                                          </p:spTgt>
-                                        </p:tgtEl>
-                                        <p:attrNameLst>
-                                          <p:attrName>ppt_y</p:attrName>
-                                        </p:attrNameLst>
-                                      </p:cBhvr>
-                                      <p:tavLst>
-                                        <p:tav tm="0">
-                                          <p:val>
-                                            <p:strVal val="#ppt_y+.1"/>
-                                          </p:val>
-                                        </p:tav>
-                                        <p:tav tm="100000">
-                                          <p:val>
-                                            <p:strVal val="#ppt_y"/>
-                                          </p:val>
-                                        </p:tav>
-                                      </p:tavLst>
-                                    </p:anim>
-                                  </p:childTnLst>
-                                </p:cTn>
-                              </p:par>
-                            </p:childTnLst>
-                          </p:cTn>
-                        </p:par>
-                      </p:childTnLst>
-                    </p:cTn>
-                  </p:par>
-                  <p:par>
-                    <p:cTn id="24" fill="hold">
-                      <p:stCondLst>
-                        <p:cond delay="indefinite"/>
-                      </p:stCondLst>
-                      <p:childTnLst>
-                        <p:par>
-                          <p:cTn id="25" fill="hold">
-                            <p:stCondLst>
-                              <p:cond delay="0"/>
-                            </p:stCondLst>
-                            <p:childTnLst>
-                              <p:par>
-                                <p:cTn id="26" presetID="42" presetClass="entr" presetSubtype="0" fill="hold" grpId="0" nodeType="clickEffect">
-                                  <p:stCondLst>
-                                    <p:cond delay="0"/>
-                                  </p:stCondLst>
-                                  <p:childTnLst>
-                                    <p:set>
-                                      <p:cBhvr>
-                                        <p:cTn id="27" dur="1" fill="hold">
-                                          <p:stCondLst>
-                                            <p:cond delay="0"/>
-                                          </p:stCondLst>
-                                        </p:cTn>
-                                        <p:tgtEl>
-                                          <p:spTgt spid="10">
-                                            <p:txEl>
-                                              <p:pRg st="2" end="2"/>
-                                            </p:txEl>
-                                          </p:spTgt>
-                                        </p:tgtEl>
-                                        <p:attrNameLst>
-                                          <p:attrName>style.visibility</p:attrName>
-                                        </p:attrNameLst>
-                                      </p:cBhvr>
-                                      <p:to>
-                                        <p:strVal val="visible"/>
-                                      </p:to>
-                                    </p:set>
-                                    <p:animEffect transition="in" filter="fade">
-                                      <p:cBhvr>
-                                        <p:cTn id="28" dur="1000"/>
-                                        <p:tgtEl>
-                                          <p:spTgt spid="10">
-                                            <p:txEl>
-                                              <p:pRg st="2" end="2"/>
-                                            </p:txEl>
-                                          </p:spTgt>
-                                        </p:tgtEl>
-                                      </p:cBhvr>
-                                    </p:animEffect>
-                                    <p:anim calcmode="lin" valueType="num">
-                                      <p:cBhvr>
-                                        <p:cTn id="29" dur="1000" fill="hold"/>
-                                        <p:tgtEl>
-                                          <p:spTgt spid="10">
-                                            <p:txEl>
-                                              <p:pRg st="2" end="2"/>
-                                            </p:txEl>
-                                          </p:spTgt>
-                                        </p:tgtEl>
-                                        <p:attrNameLst>
-                                          <p:attrName>ppt_x</p:attrName>
-                                        </p:attrNameLst>
-                                      </p:cBhvr>
-                                      <p:tavLst>
-                                        <p:tav tm="0">
-                                          <p:val>
-                                            <p:strVal val="#ppt_x"/>
-                                          </p:val>
-                                        </p:tav>
-                                        <p:tav tm="100000">
-                                          <p:val>
-                                            <p:strVal val="#ppt_x"/>
-                                          </p:val>
-                                        </p:tav>
-                                      </p:tavLst>
-                                    </p:anim>
-                                    <p:anim calcmode="lin" valueType="num">
-                                      <p:cBhvr>
-                                        <p:cTn id="30" dur="1000" fill="hold"/>
-                                        <p:tgtEl>
-                                          <p:spTgt spid="10">
-                                            <p:txEl>
-                                              <p:pRg st="2" end="2"/>
                                             </p:txEl>
                                           </p:spTgt>
                                         </p:tgtEl>
@@ -23672,15 +22424,6 @@
 </file>
 
 <file path=customXml/item2.xml><?xml version="1.0" encoding="utf-8"?>
-<p:properties xmlns:p="http://schemas.microsoft.com/office/2006/metadata/properties" xmlns:xsi="http://www.w3.org/2001/XMLSchema-instance" xmlns:pc="http://schemas.microsoft.com/office/infopath/2007/PartnerControls">
-  <documentManagement>
-    <Status xmlns="71af3243-3dd4-4a8d-8c0d-dd76da1f02a5">Not started</Status>
-    <MediaServiceKeyPoints xmlns="71af3243-3dd4-4a8d-8c0d-dd76da1f02a5" xsi:nil="true"/>
-  </documentManagement>
-</p:properties>
-</file>
-
-<file path=customXml/item3.xml><?xml version="1.0" encoding="utf-8"?>
 <ct:contentTypeSchema xmlns:ct="http://schemas.microsoft.com/office/2006/metadata/contentType" xmlns:ma="http://schemas.microsoft.com/office/2006/metadata/properties/metaAttributes" ct:_="" ma:_="" ma:contentTypeName="Document" ma:contentTypeID="0x01010079F111ED35F8CC479449609E8A0923A6" ma:contentTypeVersion="12" ma:contentTypeDescription="Create a new document." ma:contentTypeScope="" ma:versionID="426e97fa315356fffbdcd9876fe988c2">
   <xsd:schema xmlns:xsd="http://www.w3.org/2001/XMLSchema" xmlns:xs="http://www.w3.org/2001/XMLSchema" xmlns:p="http://schemas.microsoft.com/office/2006/metadata/properties" xmlns:ns2="71af3243-3dd4-4a8d-8c0d-dd76da1f02a5" xmlns:ns3="16c05727-aa75-4e4a-9b5f-8a80a1165891" targetNamespace="http://schemas.microsoft.com/office/2006/metadata/properties" ma:root="true" ma:fieldsID="14b8f0def80e6d70ce3def20c90759ae" ns2:_="" ns3:_="">
     <xsd:import namespace="71af3243-3dd4-4a8d-8c0d-dd76da1f02a5"/>
@@ -23901,6 +22644,15 @@
 </ct:contentTypeSchema>
 </file>
 
+<file path=customXml/item3.xml><?xml version="1.0" encoding="utf-8"?>
+<p:properties xmlns:p="http://schemas.microsoft.com/office/2006/metadata/properties" xmlns:xsi="http://www.w3.org/2001/XMLSchema-instance" xmlns:pc="http://schemas.microsoft.com/office/infopath/2007/PartnerControls">
+  <documentManagement>
+    <Status xmlns="71af3243-3dd4-4a8d-8c0d-dd76da1f02a5">Not started</Status>
+    <MediaServiceKeyPoints xmlns="71af3243-3dd4-4a8d-8c0d-dd76da1f02a5" xsi:nil="true"/>
+  </documentManagement>
+</p:properties>
+</file>
+
 <file path=customXml/itemProps1.xml><?xml version="1.0" encoding="utf-8"?>
 <ds:datastoreItem xmlns:ds="http://schemas.openxmlformats.org/officeDocument/2006/customXml" ds:itemID="{05D99ABA-76CE-4A8E-B5F0-C051B96628DE}">
   <ds:schemaRefs>
@@ -23910,16 +22662,6 @@
 </file>
 
 <file path=customXml/itemProps2.xml><?xml version="1.0" encoding="utf-8"?>
-<ds:datastoreItem xmlns:ds="http://schemas.openxmlformats.org/officeDocument/2006/customXml" ds:itemID="{4DEA9014-ED64-4558-B1E1-D03F0EE32BEB}">
-  <ds:schemaRefs>
-    <ds:schemaRef ds:uri="http://schemas.microsoft.com/office/2006/metadata/properties"/>
-    <ds:schemaRef ds:uri="http://schemas.microsoft.com/office/infopath/2007/PartnerControls"/>
-    <ds:schemaRef ds:uri="71af3243-3dd4-4a8d-8c0d-dd76da1f02a5"/>
-  </ds:schemaRefs>
-</ds:datastoreItem>
-</file>
-
-<file path=customXml/itemProps3.xml><?xml version="1.0" encoding="utf-8"?>
 <ds:datastoreItem xmlns:ds="http://schemas.openxmlformats.org/officeDocument/2006/customXml" ds:itemID="{B19EB750-A6DA-4BE8-B87B-FC499FE73360}">
   <ds:schemaRefs>
     <ds:schemaRef ds:uri="http://schemas.microsoft.com/office/2006/metadata/contentType"/>
@@ -23936,4 +22678,14 @@
     <ds:schemaRef ds:uri="http://schemas.microsoft.com/internal/obd"/>
   </ds:schemaRefs>
 </ds:datastoreItem>
+</file>
+
+<file path=customXml/itemProps3.xml><?xml version="1.0" encoding="utf-8"?>
+<ds:datastoreItem xmlns:ds="http://schemas.openxmlformats.org/officeDocument/2006/customXml" ds:itemID="{4DEA9014-ED64-4558-B1E1-D03F0EE32BEB}">
+  <ds:schemaRefs>
+    <ds:schemaRef ds:uri="http://schemas.microsoft.com/office/2006/metadata/properties"/>
+    <ds:schemaRef ds:uri="http://schemas.microsoft.com/office/infopath/2007/PartnerControls"/>
+    <ds:schemaRef ds:uri="71af3243-3dd4-4a8d-8c0d-dd76da1f02a5"/>
+  </ds:schemaRefs>
+</ds:datastoreItem>
 </file>